--- a/docs/The Legend of Pirate.pptx
+++ b/docs/The Legend of Pirate.pptx
@@ -7,6 +7,9 @@
   <p:sldIdLst>
     <p:sldId id="256" r:id="rId2"/>
     <p:sldId id="257" r:id="rId3"/>
+    <p:sldId id="258" r:id="rId4"/>
+    <p:sldId id="259" r:id="rId5"/>
+    <p:sldId id="260" r:id="rId6"/>
   </p:sldIdLst>
   <p:sldSz cx="12192000" cy="6858000"/>
   <p:notesSz cx="6858000" cy="9144000"/>
@@ -203,7 +206,7 @@
           <a:effectLst/>
           <a:extLst>
             <a:ext uri="{91240B29-F687-4f45-9708-019B960494DF}">
-              <a14:hiddenLine xmlns:a14="http://schemas.microsoft.com/office/drawing/2010/main" xmlns="" w="9525">
+              <a14:hiddenLine xmlns="" xmlns:a14="http://schemas.microsoft.com/office/drawing/2010/main" w="9525">
                 <a:solidFill>
                   <a:srgbClr val="000000"/>
                 </a:solidFill>
@@ -396,7 +399,7 @@
             <a:fld id="{08B9EBBA-996F-894A-B54A-D6246ED52CEA}" type="datetimeFigureOut">
               <a:rPr lang="en-US" dirty="0"/>
               <a:pPr/>
-              <a:t>1/4/2022</a:t>
+              <a:t>1/6/2022</a:t>
             </a:fld>
             <a:endParaRPr lang="en-US" dirty="0"/>
           </a:p>
@@ -711,7 +714,7 @@
             <a:fld id="{18C79C5D-2A6F-F04D-97DA-BEF2467B64E4}" type="datetimeFigureOut">
               <a:rPr lang="en-US" dirty="0"/>
               <a:pPr/>
-              <a:t>1/4/2022</a:t>
+              <a:t>1/6/2022</a:t>
             </a:fld>
             <a:endParaRPr lang="en-US" dirty="0"/>
           </a:p>
@@ -1196,7 +1199,7 @@
             <a:fld id="{8DFA1846-DA80-1C48-A609-854EA85C59AD}" type="datetimeFigureOut">
               <a:rPr lang="en-US" dirty="0"/>
               <a:pPr/>
-              <a:t>1/4/2022</a:t>
+              <a:t>1/6/2022</a:t>
             </a:fld>
             <a:endParaRPr lang="en-US" dirty="0"/>
           </a:p>
@@ -1562,7 +1565,7 @@
             <a:fld id="{FBF54567-0DE4-3F47-BF90-CB84690072F9}" type="datetimeFigureOut">
               <a:rPr lang="en-US" dirty="0"/>
               <a:pPr/>
-              <a:t>1/4/2022</a:t>
+              <a:t>1/6/2022</a:t>
             </a:fld>
             <a:endParaRPr lang="en-US" dirty="0"/>
           </a:p>
@@ -1713,7 +1716,7 @@
           <a:ln/>
           <a:extLst>
             <a:ext uri="{91240B29-F687-4f45-9708-019B960494DF}">
-              <a14:hiddenLine xmlns:a14="http://schemas.microsoft.com/office/drawing/2010/main" xmlns="" w="9525">
+              <a14:hiddenLine xmlns="" xmlns:a14="http://schemas.microsoft.com/office/drawing/2010/main" w="9525">
                 <a:solidFill>
                   <a:srgbClr val="000000"/>
                 </a:solidFill>
@@ -1832,7 +1835,7 @@
             <a:fld id="{C6C52C72-DE31-F449-A4ED-4C594FD91407}" type="datetimeFigureOut">
               <a:rPr lang="en-US" dirty="0"/>
               <a:pPr/>
-              <a:t>1/4/2022</a:t>
+              <a:t>1/6/2022</a:t>
             </a:fld>
             <a:endParaRPr lang="en-US" dirty="0"/>
           </a:p>
@@ -1985,7 +1988,7 @@
           <a:ln/>
           <a:extLst>
             <a:ext uri="{91240B29-F687-4f45-9708-019B960494DF}">
-              <a14:hiddenLine xmlns:a14="http://schemas.microsoft.com/office/drawing/2010/main" xmlns="" w="9525">
+              <a14:hiddenLine xmlns="" xmlns:a14="http://schemas.microsoft.com/office/drawing/2010/main" w="9525">
                 <a:solidFill>
                   <a:srgbClr val="000000"/>
                 </a:solidFill>
@@ -2114,7 +2117,7 @@
             <a:fld id="{ED62726E-379B-B349-9EED-81ED093FA806}" type="datetimeFigureOut">
               <a:rPr lang="en-US" dirty="0"/>
               <a:pPr/>
-              <a:t>1/4/2022</a:t>
+              <a:t>1/6/2022</a:t>
             </a:fld>
             <a:endParaRPr lang="en-US" dirty="0"/>
           </a:p>
@@ -2265,7 +2268,7 @@
           <a:ln/>
           <a:extLst>
             <a:ext uri="{91240B29-F687-4f45-9708-019B960494DF}">
-              <a14:hiddenLine xmlns:a14="http://schemas.microsoft.com/office/drawing/2010/main" xmlns="" w="9525">
+              <a14:hiddenLine xmlns="" xmlns:a14="http://schemas.microsoft.com/office/drawing/2010/main" w="9525">
                 <a:solidFill>
                   <a:srgbClr val="000000"/>
                 </a:solidFill>
@@ -2394,7 +2397,7 @@
             <a:fld id="{9B3A1323-8D79-1946-B0D7-40001CF92E9D}" type="datetimeFigureOut">
               <a:rPr lang="en-US" dirty="0"/>
               <a:pPr/>
-              <a:t>1/4/2022</a:t>
+              <a:t>1/6/2022</a:t>
             </a:fld>
             <a:endParaRPr lang="en-US" dirty="0"/>
           </a:p>
@@ -2734,7 +2737,7 @@
             <a:fld id="{8DFA1846-DA80-1C48-A609-854EA85C59AD}" type="datetimeFigureOut">
               <a:rPr lang="en-US" dirty="0"/>
               <a:pPr/>
-              <a:t>1/4/2022</a:t>
+              <a:t>1/6/2022</a:t>
             </a:fld>
             <a:endParaRPr lang="en-US" dirty="0"/>
           </a:p>
@@ -2885,7 +2888,7 @@
           <a:ln/>
           <a:extLst>
             <a:ext uri="{91240B29-F687-4f45-9708-019B960494DF}">
-              <a14:hiddenLine xmlns:a14="http://schemas.microsoft.com/office/drawing/2010/main" xmlns="" w="9525">
+              <a14:hiddenLine xmlns="" xmlns:a14="http://schemas.microsoft.com/office/drawing/2010/main" w="9525">
                 <a:solidFill>
                   <a:srgbClr val="000000"/>
                 </a:solidFill>
@@ -3070,7 +3073,7 @@
             <a:fld id="{57302355-E14B-8545-A8F8-0FE83CC9D524}" type="datetimeFigureOut">
               <a:rPr lang="en-US" dirty="0"/>
               <a:pPr/>
-              <a:t>1/4/2022</a:t>
+              <a:t>1/6/2022</a:t>
             </a:fld>
             <a:endParaRPr lang="en-US" dirty="0"/>
           </a:p>
@@ -3221,7 +3224,7 @@
           <a:ln/>
           <a:extLst>
             <a:ext uri="{91240B29-F687-4f45-9708-019B960494DF}">
-              <a14:hiddenLine xmlns:a14="http://schemas.microsoft.com/office/drawing/2010/main" xmlns="" w="9525">
+              <a14:hiddenLine xmlns="" xmlns:a14="http://schemas.microsoft.com/office/drawing/2010/main" w="9525">
                 <a:solidFill>
                   <a:srgbClr val="000000"/>
                 </a:solidFill>
@@ -3544,7 +3547,7 @@
             <a:fld id="{02640F58-564D-2B4F-AE67-E407BA4FCF45}" type="datetimeFigureOut">
               <a:rPr lang="en-US" dirty="0"/>
               <a:pPr/>
-              <a:t>1/4/2022</a:t>
+              <a:t>1/6/2022</a:t>
             </a:fld>
             <a:endParaRPr lang="en-US" dirty="0"/>
           </a:p>
@@ -3695,7 +3698,7 @@
           <a:ln/>
           <a:extLst>
             <a:ext uri="{91240B29-F687-4f45-9708-019B960494DF}">
-              <a14:hiddenLine xmlns:a14="http://schemas.microsoft.com/office/drawing/2010/main" xmlns="" w="9525">
+              <a14:hiddenLine xmlns="" xmlns:a14="http://schemas.microsoft.com/office/drawing/2010/main" w="9525">
                 <a:solidFill>
                   <a:srgbClr val="000000"/>
                 </a:solidFill>
@@ -3762,7 +3765,7 @@
             <a:fld id="{F13A34C8-038E-2045-AF43-DF7DBB8E0E9E}" type="datetimeFigureOut">
               <a:rPr lang="en-US" dirty="0"/>
               <a:pPr/>
-              <a:t>1/4/2022</a:t>
+              <a:t>1/6/2022</a:t>
             </a:fld>
             <a:endParaRPr lang="en-US" dirty="0"/>
           </a:p>
@@ -3854,7 +3857,7 @@
             <a:fld id="{8818C68F-D26B-8F47-958C-23B49CF8A634}" type="datetimeFigureOut">
               <a:rPr lang="en-US" dirty="0"/>
               <a:pPr/>
-              <a:t>1/4/2022</a:t>
+              <a:t>1/6/2022</a:t>
             </a:fld>
             <a:endParaRPr lang="en-US" dirty="0"/>
           </a:p>
@@ -4118,7 +4121,7 @@
           <a:ln/>
           <a:extLst>
             <a:ext uri="{91240B29-F687-4f45-9708-019B960494DF}">
-              <a14:hiddenLine xmlns:a14="http://schemas.microsoft.com/office/drawing/2010/main" xmlns="" w="9525">
+              <a14:hiddenLine xmlns="" xmlns:a14="http://schemas.microsoft.com/office/drawing/2010/main" w="9525">
                 <a:solidFill>
                   <a:srgbClr val="000000"/>
                 </a:solidFill>
@@ -4318,7 +4321,7 @@
             <a:fld id="{D0DF5E60-9974-AC48-9591-99C2BB44B7CF}" type="datetimeFigureOut">
               <a:rPr lang="en-US" dirty="0"/>
               <a:pPr/>
-              <a:t>1/4/2022</a:t>
+              <a:t>1/6/2022</a:t>
             </a:fld>
             <a:endParaRPr lang="en-US" dirty="0"/>
           </a:p>
@@ -4628,7 +4631,7 @@
             <a:fld id="{18C79C5D-2A6F-F04D-97DA-BEF2467B64E4}" type="datetimeFigureOut">
               <a:rPr lang="en-US" dirty="0"/>
               <a:pPr/>
-              <a:t>1/4/2022</a:t>
+              <a:t>1/6/2022</a:t>
             </a:fld>
             <a:endParaRPr lang="en-US" dirty="0"/>
           </a:p>
@@ -4895,7 +4898,7 @@
             <a:fld id="{09B482E8-6E0E-1B4F-B1FD-C69DB9E858D9}" type="datetimeFigureOut">
               <a:rPr lang="en-US" dirty="0"/>
               <a:pPr/>
-              <a:t>1/4/2022</a:t>
+              <a:t>1/6/2022</a:t>
             </a:fld>
             <a:endParaRPr lang="en-US" dirty="0"/>
           </a:p>
@@ -5403,7 +5406,7 @@
     </p:spTree>
     <p:extLst>
       <p:ext uri="{BB962C8B-B14F-4D97-AF65-F5344CB8AC3E}">
-        <p14:creationId xmlns:p14="http://schemas.microsoft.com/office/powerpoint/2010/main" val="1027893730"/>
+        <p14:creationId xmlns:p14="http://schemas.microsoft.com/office/powerpoint/2010/main" xmlns="" val="1027893730"/>
       </p:ext>
     </p:extLst>
   </p:cSld>
@@ -5445,7 +5448,11 @@
           <a:bodyPr/>
           <a:lstStyle/>
           <a:p>
-            <a:endParaRPr lang="ru-RU"/>
+            <a:r>
+              <a:rPr lang="ru-RU" dirty="0" smtClean="0"/>
+              <a:t>Идея проекта</a:t>
+            </a:r>
+            <a:endParaRPr lang="ru-RU" dirty="0"/>
           </a:p>
         </p:txBody>
       </p:sp>
@@ -5461,19 +5468,338 @@
         </p:nvSpPr>
         <p:spPr/>
         <p:txBody>
-          <a:bodyPr/>
-          <a:lstStyle/>
-          <a:p>
-            <a:endParaRPr lang="ru-RU"/>
+          <a:bodyPr>
+            <a:normAutofit/>
+          </a:bodyPr>
+          <a:lstStyle/>
+          <a:p>
+            <a:pPr>
+              <a:buNone/>
+            </a:pPr>
+            <a:r>
+              <a:rPr lang="ru-RU" sz="2000" dirty="0" smtClean="0"/>
+              <a:t>	Игра</a:t>
+            </a:r>
+            <a:r>
+              <a:rPr lang="ru-RU" sz="2000" dirty="0" smtClean="0"/>
+              <a:t>, аналог </a:t>
+            </a:r>
+            <a:r>
+              <a:rPr lang="ru-RU" sz="2000" dirty="0" err="1" smtClean="0"/>
+              <a:t>the</a:t>
+            </a:r>
+            <a:r>
+              <a:rPr lang="ru-RU" sz="2000" dirty="0" smtClean="0"/>
+              <a:t> </a:t>
+            </a:r>
+            <a:r>
+              <a:rPr lang="ru-RU" sz="2000" dirty="0" err="1" smtClean="0"/>
+              <a:t>legend</a:t>
+            </a:r>
+            <a:r>
+              <a:rPr lang="ru-RU" sz="2000" dirty="0" smtClean="0"/>
+              <a:t> </a:t>
+            </a:r>
+            <a:r>
+              <a:rPr lang="ru-RU" sz="2000" dirty="0" err="1" smtClean="0"/>
+              <a:t>of</a:t>
+            </a:r>
+            <a:r>
+              <a:rPr lang="ru-RU" sz="2000" dirty="0" smtClean="0"/>
+              <a:t> </a:t>
+            </a:r>
+            <a:r>
+              <a:rPr lang="ru-RU" sz="2000" dirty="0" err="1" smtClean="0"/>
+              <a:t>Zelda</a:t>
+            </a:r>
+            <a:r>
+              <a:rPr lang="ru-RU" sz="2000" dirty="0" smtClean="0"/>
+              <a:t> 1986 года в пиратском стиле. Герою нужно передвигаться по небольшому открытому миру и собирать улучшения, чтобы решить финальную задачу.</a:t>
+            </a:r>
+          </a:p>
+          <a:p>
+            <a:pPr>
+              <a:buNone/>
+            </a:pPr>
+            <a:endParaRPr lang="ru-RU" sz="2000" dirty="0"/>
           </a:p>
         </p:txBody>
       </p:sp>
     </p:spTree>
     <p:extLst>
       <p:ext uri="{BB962C8B-B14F-4D97-AF65-F5344CB8AC3E}">
-        <p14:creationId xmlns:p14="http://schemas.microsoft.com/office/powerpoint/2010/main" val="1901548073"/>
+        <p14:creationId xmlns:p14="http://schemas.microsoft.com/office/powerpoint/2010/main" xmlns="" val="1901548073"/>
       </p:ext>
     </p:extLst>
+  </p:cSld>
+  <p:clrMapOvr>
+    <a:masterClrMapping/>
+  </p:clrMapOvr>
+</p:sld>
+</file>
+
+<file path=ppt/slides/slide3.xml><?xml version="1.0" encoding="utf-8"?>
+<p:sld xmlns:a="http://schemas.openxmlformats.org/drawingml/2006/main" xmlns:r="http://schemas.openxmlformats.org/officeDocument/2006/relationships" xmlns:p="http://schemas.openxmlformats.org/presentationml/2006/main">
+  <p:cSld>
+    <p:spTree>
+      <p:nvGrpSpPr>
+        <p:cNvPr id="1" name=""/>
+        <p:cNvGrpSpPr/>
+        <p:nvPr/>
+      </p:nvGrpSpPr>
+      <p:grpSpPr>
+        <a:xfrm>
+          <a:off x="0" y="0"/>
+          <a:ext cx="0" cy="0"/>
+          <a:chOff x="0" y="0"/>
+          <a:chExt cx="0" cy="0"/>
+        </a:xfrm>
+      </p:grpSpPr>
+      <p:sp>
+        <p:nvSpPr>
+          <p:cNvPr id="2" name="Заголовок 1"/>
+          <p:cNvSpPr>
+            <a:spLocks noGrp="1"/>
+          </p:cNvSpPr>
+          <p:nvPr>
+            <p:ph type="title"/>
+          </p:nvPr>
+        </p:nvSpPr>
+        <p:spPr/>
+        <p:txBody>
+          <a:bodyPr/>
+          <a:lstStyle/>
+          <a:p>
+            <a:r>
+              <a:rPr lang="ru-RU" dirty="0" smtClean="0"/>
+              <a:t>Реализация</a:t>
+            </a:r>
+            <a:endParaRPr lang="ru-RU" dirty="0"/>
+          </a:p>
+        </p:txBody>
+      </p:sp>
+      <p:sp>
+        <p:nvSpPr>
+          <p:cNvPr id="3" name="Содержимое 2"/>
+          <p:cNvSpPr>
+            <a:spLocks noGrp="1"/>
+          </p:cNvSpPr>
+          <p:nvPr>
+            <p:ph idx="1"/>
+          </p:nvPr>
+        </p:nvSpPr>
+        <p:spPr/>
+        <p:txBody>
+          <a:bodyPr>
+            <a:normAutofit/>
+          </a:bodyPr>
+          <a:lstStyle/>
+          <a:p>
+            <a:r>
+              <a:rPr lang="ru-RU" sz="2000" dirty="0" smtClean="0"/>
+              <a:t>Для использованы основные функции библиотеки </a:t>
+            </a:r>
+            <a:r>
+              <a:rPr lang="ru-RU" sz="2000" dirty="0" err="1" smtClean="0"/>
+              <a:t>pygame</a:t>
+            </a:r>
+            <a:r>
+              <a:rPr lang="ru-RU" sz="2000" dirty="0" smtClean="0"/>
+              <a:t>.</a:t>
+            </a:r>
+          </a:p>
+          <a:p>
+            <a:r>
+              <a:rPr lang="ru-RU" sz="2000" dirty="0" smtClean="0"/>
+              <a:t>Уровни </a:t>
+            </a:r>
+            <a:r>
+              <a:rPr lang="ru-RU" sz="2000" dirty="0" smtClean="0"/>
+              <a:t>строятся на отдельно написанном редакторе миров, где располагаются все элементы окружения, враги и активные предметы</a:t>
+            </a:r>
+            <a:r>
+              <a:rPr lang="ru-RU" sz="2000" dirty="0" smtClean="0"/>
+              <a:t>.</a:t>
+            </a:r>
+          </a:p>
+          <a:p>
+            <a:r>
+              <a:rPr lang="ru-RU" sz="2000" dirty="0" smtClean="0"/>
+              <a:t>Каждый мир хранится в </a:t>
+            </a:r>
+            <a:r>
+              <a:rPr lang="en-US" sz="2000" dirty="0" err="1" smtClean="0"/>
+              <a:t>json</a:t>
+            </a:r>
+            <a:r>
+              <a:rPr lang="en-US" sz="2000" dirty="0" smtClean="0"/>
+              <a:t> </a:t>
+            </a:r>
+            <a:r>
+              <a:rPr lang="ru-RU" sz="2000" dirty="0" smtClean="0"/>
+              <a:t>файле</a:t>
+            </a:r>
+            <a:endParaRPr lang="ru-RU" sz="2000" dirty="0" smtClean="0"/>
+          </a:p>
+          <a:p>
+            <a:r>
+              <a:rPr lang="ru-RU" sz="2000" dirty="0" smtClean="0"/>
+              <a:t>Персонаж перемещается по экранам, которые переключаются когда игрок подходит к краю.</a:t>
+            </a:r>
+            <a:endParaRPr lang="ru-RU" sz="2000" dirty="0" smtClean="0"/>
+          </a:p>
+        </p:txBody>
+      </p:sp>
+    </p:spTree>
+  </p:cSld>
+  <p:clrMapOvr>
+    <a:masterClrMapping/>
+  </p:clrMapOvr>
+</p:sld>
+</file>
+
+<file path=ppt/slides/slide4.xml><?xml version="1.0" encoding="utf-8"?>
+<p:sld xmlns:a="http://schemas.openxmlformats.org/drawingml/2006/main" xmlns:r="http://schemas.openxmlformats.org/officeDocument/2006/relationships" xmlns:p="http://schemas.openxmlformats.org/presentationml/2006/main">
+  <p:cSld>
+    <p:spTree>
+      <p:nvGrpSpPr>
+        <p:cNvPr id="1" name=""/>
+        <p:cNvGrpSpPr/>
+        <p:nvPr/>
+      </p:nvGrpSpPr>
+      <p:grpSpPr>
+        <a:xfrm>
+          <a:off x="0" y="0"/>
+          <a:ext cx="0" cy="0"/>
+          <a:chOff x="0" y="0"/>
+          <a:chExt cx="0" cy="0"/>
+        </a:xfrm>
+      </p:grpSpPr>
+      <p:sp>
+        <p:nvSpPr>
+          <p:cNvPr id="2" name="Заголовок 1"/>
+          <p:cNvSpPr>
+            <a:spLocks noGrp="1"/>
+          </p:cNvSpPr>
+          <p:nvPr>
+            <p:ph type="title"/>
+          </p:nvPr>
+        </p:nvSpPr>
+        <p:spPr/>
+        <p:txBody>
+          <a:bodyPr/>
+          <a:lstStyle/>
+          <a:p>
+            <a:r>
+              <a:rPr lang="ru-RU" dirty="0" smtClean="0"/>
+              <a:t>Пират на острове</a:t>
+            </a:r>
+            <a:endParaRPr lang="ru-RU" dirty="0"/>
+          </a:p>
+        </p:txBody>
+      </p:sp>
+      <p:pic>
+        <p:nvPicPr>
+          <p:cNvPr id="5" name="Содержимое 4" descr="island.png"/>
+          <p:cNvPicPr>
+            <a:picLocks noGrp="1" noChangeAspect="1"/>
+          </p:cNvPicPr>
+          <p:nvPr>
+            <p:ph idx="1"/>
+          </p:nvPr>
+        </p:nvPicPr>
+        <p:blipFill>
+          <a:blip r:embed="rId2"/>
+          <a:stretch>
+            <a:fillRect/>
+          </a:stretch>
+        </p:blipFill>
+        <p:spPr>
+          <a:xfrm>
+            <a:off x="1630843" y="2296641"/>
+            <a:ext cx="9006456" cy="4203013"/>
+          </a:xfrm>
+        </p:spPr>
+      </p:pic>
+    </p:spTree>
+  </p:cSld>
+  <p:clrMapOvr>
+    <a:masterClrMapping/>
+  </p:clrMapOvr>
+</p:sld>
+</file>
+
+<file path=ppt/slides/slide5.xml><?xml version="1.0" encoding="utf-8"?>
+<p:sld xmlns:a="http://schemas.openxmlformats.org/drawingml/2006/main" xmlns:r="http://schemas.openxmlformats.org/officeDocument/2006/relationships" xmlns:p="http://schemas.openxmlformats.org/presentationml/2006/main">
+  <p:cSld>
+    <p:spTree>
+      <p:nvGrpSpPr>
+        <p:cNvPr id="1" name=""/>
+        <p:cNvGrpSpPr/>
+        <p:nvPr/>
+      </p:nvGrpSpPr>
+      <p:grpSpPr>
+        <a:xfrm>
+          <a:off x="0" y="0"/>
+          <a:ext cx="0" cy="0"/>
+          <a:chOff x="0" y="0"/>
+          <a:chExt cx="0" cy="0"/>
+        </a:xfrm>
+      </p:grpSpPr>
+      <p:sp>
+        <p:nvSpPr>
+          <p:cNvPr id="2" name="Заголовок 1"/>
+          <p:cNvSpPr>
+            <a:spLocks noGrp="1"/>
+          </p:cNvSpPr>
+          <p:nvPr>
+            <p:ph type="title"/>
+          </p:nvPr>
+        </p:nvSpPr>
+        <p:spPr/>
+        <p:txBody>
+          <a:bodyPr/>
+          <a:lstStyle/>
+          <a:p>
+            <a:r>
+              <a:rPr lang="ru-RU" dirty="0" smtClean="0"/>
+              <a:t>Заключение</a:t>
+            </a:r>
+            <a:endParaRPr lang="ru-RU" dirty="0"/>
+          </a:p>
+        </p:txBody>
+      </p:sp>
+      <p:sp>
+        <p:nvSpPr>
+          <p:cNvPr id="3" name="Содержимое 2"/>
+          <p:cNvSpPr>
+            <a:spLocks noGrp="1"/>
+          </p:cNvSpPr>
+          <p:nvPr>
+            <p:ph idx="1"/>
+          </p:nvPr>
+        </p:nvSpPr>
+        <p:spPr/>
+        <p:txBody>
+          <a:bodyPr>
+            <a:normAutofit/>
+          </a:bodyPr>
+          <a:lstStyle/>
+          <a:p>
+            <a:r>
+              <a:rPr lang="ru-RU" sz="2000" dirty="0" smtClean="0"/>
+              <a:t>Для создания полноценной игры необходимо добавить больше уровней и противников</a:t>
+            </a:r>
+          </a:p>
+          <a:p>
+            <a:r>
+              <a:rPr lang="ru-RU" sz="2000" dirty="0" smtClean="0"/>
+              <a:t>Целью игры планируется сделать поиск клада по картам</a:t>
+            </a:r>
+          </a:p>
+        </p:txBody>
+      </p:sp>
+    </p:spTree>
   </p:cSld>
   <p:clrMapOvr>
     <a:masterClrMapping/>
@@ -5524,7 +5850,7 @@
     </a:clrScheme>
     <a:fontScheme name="Quotable">
       <a:majorFont>
-        <a:latin typeface="Century Gothic" panose="020B0502020202020204"/>
+        <a:latin typeface="Century Gothic"/>
         <a:ea typeface=""/>
         <a:cs typeface=""/>
         <a:font script="Jpan" typeface="ＭＳ ゴシック"/>
@@ -5559,7 +5885,7 @@
         <a:font script="Geor" typeface="Sylfaen"/>
       </a:majorFont>
       <a:minorFont>
-        <a:latin typeface="Century Gothic" panose="020B0502020202020204"/>
+        <a:latin typeface="Century Gothic"/>
         <a:ea typeface=""/>
         <a:cs typeface=""/>
         <a:font script="Jpan" typeface="ＭＳ ゴシック"/>
@@ -5712,7 +6038,7 @@
   <a:extraClrSchemeLst/>
   <a:extLst>
     <a:ext uri="{05A4C25C-085E-4340-85A3-A5531E510DB2}">
-      <thm15:themeFamily xmlns:thm15="http://schemas.microsoft.com/office/thememl/2012/main" name="Quotable" id="{39EC5628-30ED-4578-ACD8-9820EDB8E15A}" vid="{6F3559E9-1A4C-49D8-94D4-F41003531C49}"/>
+      <thm15:themeFamily xmlns:thm15="http://schemas.microsoft.com/office/thememl/2012/main" xmlns="" name="Quotable" id="{39EC5628-30ED-4578-ACD8-9820EDB8E15A}" vid="{6F3559E9-1A4C-49D8-94D4-F41003531C49}"/>
     </a:ext>
   </a:extLst>
 </a:theme>

--- a/docs/The Legend of Pirate.pptx
+++ b/docs/The Legend of Pirate.pptx
@@ -9,7 +9,8 @@
     <p:sldId id="257" r:id="rId3"/>
     <p:sldId id="258" r:id="rId4"/>
     <p:sldId id="259" r:id="rId5"/>
-    <p:sldId id="260" r:id="rId6"/>
+    <p:sldId id="261" r:id="rId6"/>
+    <p:sldId id="260" r:id="rId7"/>
   </p:sldIdLst>
   <p:sldSz cx="12192000" cy="6858000"/>
   <p:notesSz cx="6858000" cy="9144000"/>
@@ -108,6 +109,22 @@
       </a:defRPr>
     </a:lvl9pPr>
   </p:defaultTextStyle>
+  <p:extLst>
+    <p:ext uri="{EFAFB233-063F-42B5-8137-9DF3F51BA10A}">
+      <p15:sldGuideLst xmlns:p15="http://schemas.microsoft.com/office/powerpoint/2012/main">
+        <p15:guide id="1" orient="horz" pos="2160">
+          <p15:clr>
+            <a:srgbClr val="A4A3A4"/>
+          </p15:clr>
+        </p15:guide>
+        <p15:guide id="2" pos="3840">
+          <p15:clr>
+            <a:srgbClr val="A4A3A4"/>
+          </p15:clr>
+        </p15:guide>
+      </p15:sldGuideLst>
+    </p:ext>
+  </p:extLst>
 </p:presentation>
 </file>
 
@@ -206,7 +223,7 @@
           <a:effectLst/>
           <a:extLst>
             <a:ext uri="{91240B29-F687-4f45-9708-019B960494DF}">
-              <a14:hiddenLine xmlns="" xmlns:a14="http://schemas.microsoft.com/office/drawing/2010/main" w="9525">
+              <a14:hiddenLine xmlns:a14="http://schemas.microsoft.com/office/drawing/2010/main" xmlns="" w="9525">
                 <a:solidFill>
                   <a:srgbClr val="000000"/>
                 </a:solidFill>
@@ -399,7 +416,7 @@
             <a:fld id="{08B9EBBA-996F-894A-B54A-D6246ED52CEA}" type="datetimeFigureOut">
               <a:rPr lang="en-US" dirty="0"/>
               <a:pPr/>
-              <a:t>1/6/2022</a:t>
+              <a:t>1/12/2022</a:t>
             </a:fld>
             <a:endParaRPr lang="en-US" dirty="0"/>
           </a:p>
@@ -714,7 +731,7 @@
             <a:fld id="{18C79C5D-2A6F-F04D-97DA-BEF2467B64E4}" type="datetimeFigureOut">
               <a:rPr lang="en-US" dirty="0"/>
               <a:pPr/>
-              <a:t>1/6/2022</a:t>
+              <a:t>1/12/2022</a:t>
             </a:fld>
             <a:endParaRPr lang="en-US" dirty="0"/>
           </a:p>
@@ -1199,7 +1216,7 @@
             <a:fld id="{8DFA1846-DA80-1C48-A609-854EA85C59AD}" type="datetimeFigureOut">
               <a:rPr lang="en-US" dirty="0"/>
               <a:pPr/>
-              <a:t>1/6/2022</a:t>
+              <a:t>1/12/2022</a:t>
             </a:fld>
             <a:endParaRPr lang="en-US" dirty="0"/>
           </a:p>
@@ -1565,7 +1582,7 @@
             <a:fld id="{FBF54567-0DE4-3F47-BF90-CB84690072F9}" type="datetimeFigureOut">
               <a:rPr lang="en-US" dirty="0"/>
               <a:pPr/>
-              <a:t>1/6/2022</a:t>
+              <a:t>1/12/2022</a:t>
             </a:fld>
             <a:endParaRPr lang="en-US" dirty="0"/>
           </a:p>
@@ -1716,7 +1733,7 @@
           <a:ln/>
           <a:extLst>
             <a:ext uri="{91240B29-F687-4f45-9708-019B960494DF}">
-              <a14:hiddenLine xmlns="" xmlns:a14="http://schemas.microsoft.com/office/drawing/2010/main" w="9525">
+              <a14:hiddenLine xmlns:a14="http://schemas.microsoft.com/office/drawing/2010/main" xmlns="" w="9525">
                 <a:solidFill>
                   <a:srgbClr val="000000"/>
                 </a:solidFill>
@@ -1835,7 +1852,7 @@
             <a:fld id="{C6C52C72-DE31-F449-A4ED-4C594FD91407}" type="datetimeFigureOut">
               <a:rPr lang="en-US" dirty="0"/>
               <a:pPr/>
-              <a:t>1/6/2022</a:t>
+              <a:t>1/12/2022</a:t>
             </a:fld>
             <a:endParaRPr lang="en-US" dirty="0"/>
           </a:p>
@@ -1988,7 +2005,7 @@
           <a:ln/>
           <a:extLst>
             <a:ext uri="{91240B29-F687-4f45-9708-019B960494DF}">
-              <a14:hiddenLine xmlns="" xmlns:a14="http://schemas.microsoft.com/office/drawing/2010/main" w="9525">
+              <a14:hiddenLine xmlns:a14="http://schemas.microsoft.com/office/drawing/2010/main" xmlns="" w="9525">
                 <a:solidFill>
                   <a:srgbClr val="000000"/>
                 </a:solidFill>
@@ -2117,7 +2134,7 @@
             <a:fld id="{ED62726E-379B-B349-9EED-81ED093FA806}" type="datetimeFigureOut">
               <a:rPr lang="en-US" dirty="0"/>
               <a:pPr/>
-              <a:t>1/6/2022</a:t>
+              <a:t>1/12/2022</a:t>
             </a:fld>
             <a:endParaRPr lang="en-US" dirty="0"/>
           </a:p>
@@ -2268,7 +2285,7 @@
           <a:ln/>
           <a:extLst>
             <a:ext uri="{91240B29-F687-4f45-9708-019B960494DF}">
-              <a14:hiddenLine xmlns="" xmlns:a14="http://schemas.microsoft.com/office/drawing/2010/main" w="9525">
+              <a14:hiddenLine xmlns:a14="http://schemas.microsoft.com/office/drawing/2010/main" xmlns="" w="9525">
                 <a:solidFill>
                   <a:srgbClr val="000000"/>
                 </a:solidFill>
@@ -2397,7 +2414,7 @@
             <a:fld id="{9B3A1323-8D79-1946-B0D7-40001CF92E9D}" type="datetimeFigureOut">
               <a:rPr lang="en-US" dirty="0"/>
               <a:pPr/>
-              <a:t>1/6/2022</a:t>
+              <a:t>1/12/2022</a:t>
             </a:fld>
             <a:endParaRPr lang="en-US" dirty="0"/>
           </a:p>
@@ -2737,7 +2754,7 @@
             <a:fld id="{8DFA1846-DA80-1C48-A609-854EA85C59AD}" type="datetimeFigureOut">
               <a:rPr lang="en-US" dirty="0"/>
               <a:pPr/>
-              <a:t>1/6/2022</a:t>
+              <a:t>1/12/2022</a:t>
             </a:fld>
             <a:endParaRPr lang="en-US" dirty="0"/>
           </a:p>
@@ -2888,7 +2905,7 @@
           <a:ln/>
           <a:extLst>
             <a:ext uri="{91240B29-F687-4f45-9708-019B960494DF}">
-              <a14:hiddenLine xmlns="" xmlns:a14="http://schemas.microsoft.com/office/drawing/2010/main" w="9525">
+              <a14:hiddenLine xmlns:a14="http://schemas.microsoft.com/office/drawing/2010/main" xmlns="" w="9525">
                 <a:solidFill>
                   <a:srgbClr val="000000"/>
                 </a:solidFill>
@@ -3073,7 +3090,7 @@
             <a:fld id="{57302355-E14B-8545-A8F8-0FE83CC9D524}" type="datetimeFigureOut">
               <a:rPr lang="en-US" dirty="0"/>
               <a:pPr/>
-              <a:t>1/6/2022</a:t>
+              <a:t>1/12/2022</a:t>
             </a:fld>
             <a:endParaRPr lang="en-US" dirty="0"/>
           </a:p>
@@ -3224,7 +3241,7 @@
           <a:ln/>
           <a:extLst>
             <a:ext uri="{91240B29-F687-4f45-9708-019B960494DF}">
-              <a14:hiddenLine xmlns="" xmlns:a14="http://schemas.microsoft.com/office/drawing/2010/main" w="9525">
+              <a14:hiddenLine xmlns:a14="http://schemas.microsoft.com/office/drawing/2010/main" xmlns="" w="9525">
                 <a:solidFill>
                   <a:srgbClr val="000000"/>
                 </a:solidFill>
@@ -3547,7 +3564,7 @@
             <a:fld id="{02640F58-564D-2B4F-AE67-E407BA4FCF45}" type="datetimeFigureOut">
               <a:rPr lang="en-US" dirty="0"/>
               <a:pPr/>
-              <a:t>1/6/2022</a:t>
+              <a:t>1/12/2022</a:t>
             </a:fld>
             <a:endParaRPr lang="en-US" dirty="0"/>
           </a:p>
@@ -3698,7 +3715,7 @@
           <a:ln/>
           <a:extLst>
             <a:ext uri="{91240B29-F687-4f45-9708-019B960494DF}">
-              <a14:hiddenLine xmlns="" xmlns:a14="http://schemas.microsoft.com/office/drawing/2010/main" w="9525">
+              <a14:hiddenLine xmlns:a14="http://schemas.microsoft.com/office/drawing/2010/main" xmlns="" w="9525">
                 <a:solidFill>
                   <a:srgbClr val="000000"/>
                 </a:solidFill>
@@ -3765,7 +3782,7 @@
             <a:fld id="{F13A34C8-038E-2045-AF43-DF7DBB8E0E9E}" type="datetimeFigureOut">
               <a:rPr lang="en-US" dirty="0"/>
               <a:pPr/>
-              <a:t>1/6/2022</a:t>
+              <a:t>1/12/2022</a:t>
             </a:fld>
             <a:endParaRPr lang="en-US" dirty="0"/>
           </a:p>
@@ -3857,7 +3874,7 @@
             <a:fld id="{8818C68F-D26B-8F47-958C-23B49CF8A634}" type="datetimeFigureOut">
               <a:rPr lang="en-US" dirty="0"/>
               <a:pPr/>
-              <a:t>1/6/2022</a:t>
+              <a:t>1/12/2022</a:t>
             </a:fld>
             <a:endParaRPr lang="en-US" dirty="0"/>
           </a:p>
@@ -4121,7 +4138,7 @@
           <a:ln/>
           <a:extLst>
             <a:ext uri="{91240B29-F687-4f45-9708-019B960494DF}">
-              <a14:hiddenLine xmlns="" xmlns:a14="http://schemas.microsoft.com/office/drawing/2010/main" w="9525">
+              <a14:hiddenLine xmlns:a14="http://schemas.microsoft.com/office/drawing/2010/main" xmlns="" w="9525">
                 <a:solidFill>
                   <a:srgbClr val="000000"/>
                 </a:solidFill>
@@ -4321,7 +4338,7 @@
             <a:fld id="{D0DF5E60-9974-AC48-9591-99C2BB44B7CF}" type="datetimeFigureOut">
               <a:rPr lang="en-US" dirty="0"/>
               <a:pPr/>
-              <a:t>1/6/2022</a:t>
+              <a:t>1/12/2022</a:t>
             </a:fld>
             <a:endParaRPr lang="en-US" dirty="0"/>
           </a:p>
@@ -4631,7 +4648,7 @@
             <a:fld id="{18C79C5D-2A6F-F04D-97DA-BEF2467B64E4}" type="datetimeFigureOut">
               <a:rPr lang="en-US" dirty="0"/>
               <a:pPr/>
-              <a:t>1/6/2022</a:t>
+              <a:t>1/12/2022</a:t>
             </a:fld>
             <a:endParaRPr lang="en-US" dirty="0"/>
           </a:p>
@@ -4898,7 +4915,7 @@
             <a:fld id="{09B482E8-6E0E-1B4F-B1FD-C69DB9E858D9}" type="datetimeFigureOut">
               <a:rPr lang="en-US" dirty="0"/>
               <a:pPr/>
-              <a:t>1/6/2022</a:t>
+              <a:t>1/12/2022</a:t>
             </a:fld>
             <a:endParaRPr lang="en-US" dirty="0"/>
           </a:p>
@@ -5406,7 +5423,7 @@
     </p:spTree>
     <p:extLst>
       <p:ext uri="{BB962C8B-B14F-4D97-AF65-F5344CB8AC3E}">
-        <p14:creationId xmlns:p14="http://schemas.microsoft.com/office/powerpoint/2010/main" xmlns="" val="1027893730"/>
+        <p14:creationId xmlns:p14="http://schemas.microsoft.com/office/powerpoint/2010/main" val="1027893730"/>
       </p:ext>
     </p:extLst>
   </p:cSld>
@@ -5478,11 +5495,7 @@
             </a:pPr>
             <a:r>
               <a:rPr lang="ru-RU" sz="2000" dirty="0" smtClean="0"/>
-              <a:t>	Игра</a:t>
-            </a:r>
-            <a:r>
-              <a:rPr lang="ru-RU" sz="2000" dirty="0" smtClean="0"/>
-              <a:t>, аналог </a:t>
+              <a:t>	Игра, аналог </a:t>
             </a:r>
             <a:r>
               <a:rPr lang="ru-RU" sz="2000" dirty="0" err="1" smtClean="0"/>
@@ -5528,7 +5541,7 @@
     </p:spTree>
     <p:extLst>
       <p:ext uri="{BB962C8B-B14F-4D97-AF65-F5344CB8AC3E}">
-        <p14:creationId xmlns:p14="http://schemas.microsoft.com/office/powerpoint/2010/main" xmlns="" val="1901548073"/>
+        <p14:creationId xmlns:p14="http://schemas.microsoft.com/office/powerpoint/2010/main" val="1901548073"/>
       </p:ext>
     </p:extLst>
   </p:cSld>
@@ -5611,15 +5624,7 @@
           <a:p>
             <a:r>
               <a:rPr lang="ru-RU" sz="2000" dirty="0" smtClean="0"/>
-              <a:t>Уровни </a:t>
-            </a:r>
-            <a:r>
-              <a:rPr lang="ru-RU" sz="2000" dirty="0" smtClean="0"/>
-              <a:t>строятся на отдельно написанном редакторе миров, где располагаются все элементы окружения, враги и активные предметы</a:t>
-            </a:r>
-            <a:r>
-              <a:rPr lang="ru-RU" sz="2000" dirty="0" smtClean="0"/>
-              <a:t>.</a:t>
+              <a:t>Уровни строятся на отдельно написанном редакторе миров, где располагаются все элементы окружения, враги и активные предметы.</a:t>
             </a:r>
           </a:p>
           <a:p>
@@ -5639,14 +5644,12 @@
               <a:rPr lang="ru-RU" sz="2000" dirty="0" smtClean="0"/>
               <a:t>файле</a:t>
             </a:r>
-            <a:endParaRPr lang="ru-RU" sz="2000" dirty="0" smtClean="0"/>
           </a:p>
           <a:p>
             <a:r>
               <a:rPr lang="ru-RU" sz="2000" dirty="0" smtClean="0"/>
               <a:t>Персонаж перемещается по экранам, которые переключаются когда игрок подходит к краю.</a:t>
             </a:r>
-            <a:endParaRPr lang="ru-RU" sz="2000" dirty="0" smtClean="0"/>
           </a:p>
         </p:txBody>
       </p:sp>
@@ -5730,6 +5733,126 @@
 </file>
 
 <file path=ppt/slides/slide5.xml><?xml version="1.0" encoding="utf-8"?>
+<p:sld xmlns:a="http://schemas.openxmlformats.org/drawingml/2006/main" xmlns:r="http://schemas.openxmlformats.org/officeDocument/2006/relationships" xmlns:p="http://schemas.openxmlformats.org/presentationml/2006/main">
+  <p:cSld>
+    <p:spTree>
+      <p:nvGrpSpPr>
+        <p:cNvPr id="1" name=""/>
+        <p:cNvGrpSpPr/>
+        <p:nvPr/>
+      </p:nvGrpSpPr>
+      <p:grpSpPr>
+        <a:xfrm>
+          <a:off x="0" y="0"/>
+          <a:ext cx="0" cy="0"/>
+          <a:chOff x="0" y="0"/>
+          <a:chExt cx="0" cy="0"/>
+        </a:xfrm>
+      </p:grpSpPr>
+      <p:sp>
+        <p:nvSpPr>
+          <p:cNvPr id="2" name="Заголовок 1"/>
+          <p:cNvSpPr>
+            <a:spLocks noGrp="1"/>
+          </p:cNvSpPr>
+          <p:nvPr>
+            <p:ph type="title"/>
+          </p:nvPr>
+        </p:nvSpPr>
+        <p:spPr/>
+        <p:txBody>
+          <a:bodyPr/>
+          <a:lstStyle/>
+          <a:p>
+            <a:r>
+              <a:rPr lang="ru-RU" dirty="0" smtClean="0"/>
+              <a:t>Что дальше</a:t>
+            </a:r>
+            <a:r>
+              <a:rPr lang="en-US" dirty="0" smtClean="0"/>
+              <a:t>?</a:t>
+            </a:r>
+            <a:endParaRPr lang="ru-RU" dirty="0"/>
+          </a:p>
+        </p:txBody>
+      </p:sp>
+      <p:sp>
+        <p:nvSpPr>
+          <p:cNvPr id="3" name="Объект 2"/>
+          <p:cNvSpPr>
+            <a:spLocks noGrp="1"/>
+          </p:cNvSpPr>
+          <p:nvPr>
+            <p:ph idx="1"/>
+          </p:nvPr>
+        </p:nvSpPr>
+        <p:spPr/>
+        <p:txBody>
+          <a:bodyPr/>
+          <a:lstStyle/>
+          <a:p>
+            <a:pPr marL="0" indent="0">
+              <a:buNone/>
+            </a:pPr>
+            <a:r>
+              <a:rPr lang="ru-RU" dirty="0" smtClean="0"/>
+              <a:t>В дальнейшем мы планируем развивать проект, а именно</a:t>
+            </a:r>
+            <a:r>
+              <a:rPr lang="en-US" dirty="0" smtClean="0"/>
+              <a:t>: </a:t>
+            </a:r>
+            <a:endParaRPr lang="ru-RU" dirty="0" smtClean="0"/>
+          </a:p>
+          <a:p>
+            <a:r>
+              <a:rPr lang="ru-RU" dirty="0" smtClean="0"/>
+              <a:t>Добавим больше врагов (наземных и подводных) </a:t>
+            </a:r>
+          </a:p>
+          <a:p>
+            <a:r>
+              <a:rPr lang="ru-RU" dirty="0" smtClean="0"/>
+              <a:t>Улучшим ощущения от игрового процесса</a:t>
+            </a:r>
+          </a:p>
+          <a:p>
+            <a:r>
+              <a:rPr lang="ru-RU" dirty="0" smtClean="0"/>
+              <a:t>Добавим уникальные подземелья со своими загадками и стилями окружения</a:t>
+            </a:r>
+          </a:p>
+          <a:p>
+            <a:r>
+              <a:rPr lang="ru-RU" dirty="0" smtClean="0"/>
+              <a:t>Создадим полноценный открытый мир с загадками и улучшениями</a:t>
+            </a:r>
+          </a:p>
+          <a:p>
+            <a:r>
+              <a:rPr lang="ru-RU" dirty="0" smtClean="0"/>
+              <a:t>Добавим больше персонажей и диалогов</a:t>
+            </a:r>
+          </a:p>
+          <a:p>
+            <a:endParaRPr lang="ru-RU" dirty="0"/>
+          </a:p>
+        </p:txBody>
+      </p:sp>
+    </p:spTree>
+    <p:extLst>
+      <p:ext uri="{BB962C8B-B14F-4D97-AF65-F5344CB8AC3E}">
+        <p14:creationId xmlns:p14="http://schemas.microsoft.com/office/powerpoint/2010/main" val="1509248006"/>
+      </p:ext>
+    </p:extLst>
+  </p:cSld>
+  <p:clrMapOvr>
+    <a:masterClrMapping/>
+  </p:clrMapOvr>
+</p:sld>
+</file>
+
+<file path=ppt/slides/slide6.xml><?xml version="1.0" encoding="utf-8"?>
 <p:sld xmlns:a="http://schemas.openxmlformats.org/drawingml/2006/main" xmlns:r="http://schemas.openxmlformats.org/officeDocument/2006/relationships" xmlns:p="http://schemas.openxmlformats.org/presentationml/2006/main">
   <p:cSld>
     <p:spTree>
@@ -6038,7 +6161,7 @@
   <a:extraClrSchemeLst/>
   <a:extLst>
     <a:ext uri="{05A4C25C-085E-4340-85A3-A5531E510DB2}">
-      <thm15:themeFamily xmlns:thm15="http://schemas.microsoft.com/office/thememl/2012/main" xmlns="" name="Quotable" id="{39EC5628-30ED-4578-ACD8-9820EDB8E15A}" vid="{6F3559E9-1A4C-49D8-94D4-F41003531C49}"/>
+      <thm15:themeFamily xmlns:thm15="http://schemas.microsoft.com/office/thememl/2012/main" name="Quotable" id="{39EC5628-30ED-4578-ACD8-9820EDB8E15A}" vid="{6F3559E9-1A4C-49D8-94D4-F41003531C49}"/>
     </a:ext>
   </a:extLst>
 </a:theme>

--- a/docs/The Legend of Pirate.pptx
+++ b/docs/The Legend of Pirate.pptx
@@ -223,7 +223,7 @@
           <a:effectLst/>
           <a:extLst>
             <a:ext uri="{91240B29-F687-4f45-9708-019B960494DF}">
-              <a14:hiddenLine xmlns:a14="http://schemas.microsoft.com/office/drawing/2010/main" xmlns="" w="9525">
+              <a14:hiddenLine xmlns="" xmlns:a14="http://schemas.microsoft.com/office/drawing/2010/main" w="9525">
                 <a:solidFill>
                   <a:srgbClr val="000000"/>
                 </a:solidFill>
@@ -1733,7 +1733,7 @@
           <a:ln/>
           <a:extLst>
             <a:ext uri="{91240B29-F687-4f45-9708-019B960494DF}">
-              <a14:hiddenLine xmlns:a14="http://schemas.microsoft.com/office/drawing/2010/main" xmlns="" w="9525">
+              <a14:hiddenLine xmlns="" xmlns:a14="http://schemas.microsoft.com/office/drawing/2010/main" w="9525">
                 <a:solidFill>
                   <a:srgbClr val="000000"/>
                 </a:solidFill>
@@ -2005,7 +2005,7 @@
           <a:ln/>
           <a:extLst>
             <a:ext uri="{91240B29-F687-4f45-9708-019B960494DF}">
-              <a14:hiddenLine xmlns:a14="http://schemas.microsoft.com/office/drawing/2010/main" xmlns="" w="9525">
+              <a14:hiddenLine xmlns="" xmlns:a14="http://schemas.microsoft.com/office/drawing/2010/main" w="9525">
                 <a:solidFill>
                   <a:srgbClr val="000000"/>
                 </a:solidFill>
@@ -2285,7 +2285,7 @@
           <a:ln/>
           <a:extLst>
             <a:ext uri="{91240B29-F687-4f45-9708-019B960494DF}">
-              <a14:hiddenLine xmlns:a14="http://schemas.microsoft.com/office/drawing/2010/main" xmlns="" w="9525">
+              <a14:hiddenLine xmlns="" xmlns:a14="http://schemas.microsoft.com/office/drawing/2010/main" w="9525">
                 <a:solidFill>
                   <a:srgbClr val="000000"/>
                 </a:solidFill>
@@ -2905,7 +2905,7 @@
           <a:ln/>
           <a:extLst>
             <a:ext uri="{91240B29-F687-4f45-9708-019B960494DF}">
-              <a14:hiddenLine xmlns:a14="http://schemas.microsoft.com/office/drawing/2010/main" xmlns="" w="9525">
+              <a14:hiddenLine xmlns="" xmlns:a14="http://schemas.microsoft.com/office/drawing/2010/main" w="9525">
                 <a:solidFill>
                   <a:srgbClr val="000000"/>
                 </a:solidFill>
@@ -3241,7 +3241,7 @@
           <a:ln/>
           <a:extLst>
             <a:ext uri="{91240B29-F687-4f45-9708-019B960494DF}">
-              <a14:hiddenLine xmlns:a14="http://schemas.microsoft.com/office/drawing/2010/main" xmlns="" w="9525">
+              <a14:hiddenLine xmlns="" xmlns:a14="http://schemas.microsoft.com/office/drawing/2010/main" w="9525">
                 <a:solidFill>
                   <a:srgbClr val="000000"/>
                 </a:solidFill>
@@ -3715,7 +3715,7 @@
           <a:ln/>
           <a:extLst>
             <a:ext uri="{91240B29-F687-4f45-9708-019B960494DF}">
-              <a14:hiddenLine xmlns:a14="http://schemas.microsoft.com/office/drawing/2010/main" xmlns="" w="9525">
+              <a14:hiddenLine xmlns="" xmlns:a14="http://schemas.microsoft.com/office/drawing/2010/main" w="9525">
                 <a:solidFill>
                   <a:srgbClr val="000000"/>
                 </a:solidFill>
@@ -4138,7 +4138,7 @@
           <a:ln/>
           <a:extLst>
             <a:ext uri="{91240B29-F687-4f45-9708-019B960494DF}">
-              <a14:hiddenLine xmlns:a14="http://schemas.microsoft.com/office/drawing/2010/main" xmlns="" w="9525">
+              <a14:hiddenLine xmlns="" xmlns:a14="http://schemas.microsoft.com/office/drawing/2010/main" w="9525">
                 <a:solidFill>
                   <a:srgbClr val="000000"/>
                 </a:solidFill>
@@ -5703,7 +5703,7 @@
       </p:sp>
       <p:pic>
         <p:nvPicPr>
-          <p:cNvPr id="5" name="Содержимое 4" descr="island.png"/>
+          <p:cNvPr id="4" name="Объект 3"/>
           <p:cNvPicPr>
             <a:picLocks noGrp="1" noChangeAspect="1"/>
           </p:cNvPicPr>
@@ -5712,15 +5712,21 @@
           </p:nvPr>
         </p:nvPicPr>
         <p:blipFill>
-          <a:blip r:embed="rId2"/>
+          <a:blip r:embed="rId2">
+            <a:extLst>
+              <a:ext uri="{28A0092B-C50C-407E-A947-70E740481C1C}">
+                <a14:useLocalDpi xmlns:a14="http://schemas.microsoft.com/office/drawing/2010/main" val="0"/>
+              </a:ext>
+            </a:extLst>
+          </a:blip>
           <a:stretch>
             <a:fillRect/>
           </a:stretch>
         </p:blipFill>
         <p:spPr>
           <a:xfrm>
-            <a:off x="1630843" y="2296641"/>
-            <a:ext cx="9006456" cy="4203013"/>
+            <a:off x="2398979" y="2320517"/>
+            <a:ext cx="7394040" cy="4159148"/>
           </a:xfrm>
         </p:spPr>
       </p:pic>

--- a/docs/The Legend of Pirate.pptx
+++ b/docs/The Legend of Pirate.pptx
@@ -9,8 +9,11 @@
     <p:sldId id="257" r:id="rId3"/>
     <p:sldId id="258" r:id="rId4"/>
     <p:sldId id="259" r:id="rId5"/>
-    <p:sldId id="261" r:id="rId6"/>
-    <p:sldId id="260" r:id="rId7"/>
+    <p:sldId id="263" r:id="rId6"/>
+    <p:sldId id="262" r:id="rId7"/>
+    <p:sldId id="264" r:id="rId8"/>
+    <p:sldId id="265" r:id="rId9"/>
+    <p:sldId id="261" r:id="rId10"/>
   </p:sldIdLst>
   <p:sldSz cx="12192000" cy="6858000"/>
   <p:notesSz cx="6858000" cy="9144000"/>
@@ -111,7 +114,7 @@
   </p:defaultTextStyle>
   <p:extLst>
     <p:ext uri="{EFAFB233-063F-42B5-8137-9DF3F51BA10A}">
-      <p15:sldGuideLst xmlns:p15="http://schemas.microsoft.com/office/powerpoint/2012/main">
+      <p15:sldGuideLst xmlns:p15="http://schemas.microsoft.com/office/powerpoint/2012/main" xmlns="">
         <p15:guide id="1" orient="horz" pos="2160">
           <p15:clr>
             <a:srgbClr val="A4A3A4"/>
@@ -223,7 +226,7 @@
           <a:effectLst/>
           <a:extLst>
             <a:ext uri="{91240B29-F687-4f45-9708-019B960494DF}">
-              <a14:hiddenLine xmlns="" xmlns:a14="http://schemas.microsoft.com/office/drawing/2010/main" w="9525">
+              <a14:hiddenLine xmlns:a14="http://schemas.microsoft.com/office/drawing/2010/main" xmlns="" w="9525">
                 <a:solidFill>
                   <a:srgbClr val="000000"/>
                 </a:solidFill>
@@ -416,7 +419,7 @@
             <a:fld id="{08B9EBBA-996F-894A-B54A-D6246ED52CEA}" type="datetimeFigureOut">
               <a:rPr lang="en-US" dirty="0"/>
               <a:pPr/>
-              <a:t>1/12/2022</a:t>
+              <a:t>1/15/2022</a:t>
             </a:fld>
             <a:endParaRPr lang="en-US" dirty="0"/>
           </a:p>
@@ -731,7 +734,7 @@
             <a:fld id="{18C79C5D-2A6F-F04D-97DA-BEF2467B64E4}" type="datetimeFigureOut">
               <a:rPr lang="en-US" dirty="0"/>
               <a:pPr/>
-              <a:t>1/12/2022</a:t>
+              <a:t>1/15/2022</a:t>
             </a:fld>
             <a:endParaRPr lang="en-US" dirty="0"/>
           </a:p>
@@ -1216,7 +1219,7 @@
             <a:fld id="{8DFA1846-DA80-1C48-A609-854EA85C59AD}" type="datetimeFigureOut">
               <a:rPr lang="en-US" dirty="0"/>
               <a:pPr/>
-              <a:t>1/12/2022</a:t>
+              <a:t>1/15/2022</a:t>
             </a:fld>
             <a:endParaRPr lang="en-US" dirty="0"/>
           </a:p>
@@ -1582,7 +1585,7 @@
             <a:fld id="{FBF54567-0DE4-3F47-BF90-CB84690072F9}" type="datetimeFigureOut">
               <a:rPr lang="en-US" dirty="0"/>
               <a:pPr/>
-              <a:t>1/12/2022</a:t>
+              <a:t>1/15/2022</a:t>
             </a:fld>
             <a:endParaRPr lang="en-US" dirty="0"/>
           </a:p>
@@ -1733,7 +1736,7 @@
           <a:ln/>
           <a:extLst>
             <a:ext uri="{91240B29-F687-4f45-9708-019B960494DF}">
-              <a14:hiddenLine xmlns="" xmlns:a14="http://schemas.microsoft.com/office/drawing/2010/main" w="9525">
+              <a14:hiddenLine xmlns:a14="http://schemas.microsoft.com/office/drawing/2010/main" xmlns="" w="9525">
                 <a:solidFill>
                   <a:srgbClr val="000000"/>
                 </a:solidFill>
@@ -1852,7 +1855,7 @@
             <a:fld id="{C6C52C72-DE31-F449-A4ED-4C594FD91407}" type="datetimeFigureOut">
               <a:rPr lang="en-US" dirty="0"/>
               <a:pPr/>
-              <a:t>1/12/2022</a:t>
+              <a:t>1/15/2022</a:t>
             </a:fld>
             <a:endParaRPr lang="en-US" dirty="0"/>
           </a:p>
@@ -2005,7 +2008,7 @@
           <a:ln/>
           <a:extLst>
             <a:ext uri="{91240B29-F687-4f45-9708-019B960494DF}">
-              <a14:hiddenLine xmlns="" xmlns:a14="http://schemas.microsoft.com/office/drawing/2010/main" w="9525">
+              <a14:hiddenLine xmlns:a14="http://schemas.microsoft.com/office/drawing/2010/main" xmlns="" w="9525">
                 <a:solidFill>
                   <a:srgbClr val="000000"/>
                 </a:solidFill>
@@ -2134,7 +2137,7 @@
             <a:fld id="{ED62726E-379B-B349-9EED-81ED093FA806}" type="datetimeFigureOut">
               <a:rPr lang="en-US" dirty="0"/>
               <a:pPr/>
-              <a:t>1/12/2022</a:t>
+              <a:t>1/15/2022</a:t>
             </a:fld>
             <a:endParaRPr lang="en-US" dirty="0"/>
           </a:p>
@@ -2285,7 +2288,7 @@
           <a:ln/>
           <a:extLst>
             <a:ext uri="{91240B29-F687-4f45-9708-019B960494DF}">
-              <a14:hiddenLine xmlns="" xmlns:a14="http://schemas.microsoft.com/office/drawing/2010/main" w="9525">
+              <a14:hiddenLine xmlns:a14="http://schemas.microsoft.com/office/drawing/2010/main" xmlns="" w="9525">
                 <a:solidFill>
                   <a:srgbClr val="000000"/>
                 </a:solidFill>
@@ -2414,7 +2417,7 @@
             <a:fld id="{9B3A1323-8D79-1946-B0D7-40001CF92E9D}" type="datetimeFigureOut">
               <a:rPr lang="en-US" dirty="0"/>
               <a:pPr/>
-              <a:t>1/12/2022</a:t>
+              <a:t>1/15/2022</a:t>
             </a:fld>
             <a:endParaRPr lang="en-US" dirty="0"/>
           </a:p>
@@ -2754,7 +2757,7 @@
             <a:fld id="{8DFA1846-DA80-1C48-A609-854EA85C59AD}" type="datetimeFigureOut">
               <a:rPr lang="en-US" dirty="0"/>
               <a:pPr/>
-              <a:t>1/12/2022</a:t>
+              <a:t>1/15/2022</a:t>
             </a:fld>
             <a:endParaRPr lang="en-US" dirty="0"/>
           </a:p>
@@ -2905,7 +2908,7 @@
           <a:ln/>
           <a:extLst>
             <a:ext uri="{91240B29-F687-4f45-9708-019B960494DF}">
-              <a14:hiddenLine xmlns="" xmlns:a14="http://schemas.microsoft.com/office/drawing/2010/main" w="9525">
+              <a14:hiddenLine xmlns:a14="http://schemas.microsoft.com/office/drawing/2010/main" xmlns="" w="9525">
                 <a:solidFill>
                   <a:srgbClr val="000000"/>
                 </a:solidFill>
@@ -3090,7 +3093,7 @@
             <a:fld id="{57302355-E14B-8545-A8F8-0FE83CC9D524}" type="datetimeFigureOut">
               <a:rPr lang="en-US" dirty="0"/>
               <a:pPr/>
-              <a:t>1/12/2022</a:t>
+              <a:t>1/15/2022</a:t>
             </a:fld>
             <a:endParaRPr lang="en-US" dirty="0"/>
           </a:p>
@@ -3241,7 +3244,7 @@
           <a:ln/>
           <a:extLst>
             <a:ext uri="{91240B29-F687-4f45-9708-019B960494DF}">
-              <a14:hiddenLine xmlns="" xmlns:a14="http://schemas.microsoft.com/office/drawing/2010/main" w="9525">
+              <a14:hiddenLine xmlns:a14="http://schemas.microsoft.com/office/drawing/2010/main" xmlns="" w="9525">
                 <a:solidFill>
                   <a:srgbClr val="000000"/>
                 </a:solidFill>
@@ -3564,7 +3567,7 @@
             <a:fld id="{02640F58-564D-2B4F-AE67-E407BA4FCF45}" type="datetimeFigureOut">
               <a:rPr lang="en-US" dirty="0"/>
               <a:pPr/>
-              <a:t>1/12/2022</a:t>
+              <a:t>1/15/2022</a:t>
             </a:fld>
             <a:endParaRPr lang="en-US" dirty="0"/>
           </a:p>
@@ -3715,7 +3718,7 @@
           <a:ln/>
           <a:extLst>
             <a:ext uri="{91240B29-F687-4f45-9708-019B960494DF}">
-              <a14:hiddenLine xmlns="" xmlns:a14="http://schemas.microsoft.com/office/drawing/2010/main" w="9525">
+              <a14:hiddenLine xmlns:a14="http://schemas.microsoft.com/office/drawing/2010/main" xmlns="" w="9525">
                 <a:solidFill>
                   <a:srgbClr val="000000"/>
                 </a:solidFill>
@@ -3782,7 +3785,7 @@
             <a:fld id="{F13A34C8-038E-2045-AF43-DF7DBB8E0E9E}" type="datetimeFigureOut">
               <a:rPr lang="en-US" dirty="0"/>
               <a:pPr/>
-              <a:t>1/12/2022</a:t>
+              <a:t>1/15/2022</a:t>
             </a:fld>
             <a:endParaRPr lang="en-US" dirty="0"/>
           </a:p>
@@ -3874,7 +3877,7 @@
             <a:fld id="{8818C68F-D26B-8F47-958C-23B49CF8A634}" type="datetimeFigureOut">
               <a:rPr lang="en-US" dirty="0"/>
               <a:pPr/>
-              <a:t>1/12/2022</a:t>
+              <a:t>1/15/2022</a:t>
             </a:fld>
             <a:endParaRPr lang="en-US" dirty="0"/>
           </a:p>
@@ -4138,7 +4141,7 @@
           <a:ln/>
           <a:extLst>
             <a:ext uri="{91240B29-F687-4f45-9708-019B960494DF}">
-              <a14:hiddenLine xmlns="" xmlns:a14="http://schemas.microsoft.com/office/drawing/2010/main" w="9525">
+              <a14:hiddenLine xmlns:a14="http://schemas.microsoft.com/office/drawing/2010/main" xmlns="" w="9525">
                 <a:solidFill>
                   <a:srgbClr val="000000"/>
                 </a:solidFill>
@@ -4338,7 +4341,7 @@
             <a:fld id="{D0DF5E60-9974-AC48-9591-99C2BB44B7CF}" type="datetimeFigureOut">
               <a:rPr lang="en-US" dirty="0"/>
               <a:pPr/>
-              <a:t>1/12/2022</a:t>
+              <a:t>1/15/2022</a:t>
             </a:fld>
             <a:endParaRPr lang="en-US" dirty="0"/>
           </a:p>
@@ -4648,7 +4651,7 @@
             <a:fld id="{18C79C5D-2A6F-F04D-97DA-BEF2467B64E4}" type="datetimeFigureOut">
               <a:rPr lang="en-US" dirty="0"/>
               <a:pPr/>
-              <a:t>1/12/2022</a:t>
+              <a:t>1/15/2022</a:t>
             </a:fld>
             <a:endParaRPr lang="en-US" dirty="0"/>
           </a:p>
@@ -4915,7 +4918,7 @@
             <a:fld id="{09B482E8-6E0E-1B4F-B1FD-C69DB9E858D9}" type="datetimeFigureOut">
               <a:rPr lang="en-US" dirty="0"/>
               <a:pPr/>
-              <a:t>1/12/2022</a:t>
+              <a:t>1/15/2022</a:t>
             </a:fld>
             <a:endParaRPr lang="en-US" dirty="0"/>
           </a:p>
@@ -5423,7 +5426,7 @@
     </p:spTree>
     <p:extLst>
       <p:ext uri="{BB962C8B-B14F-4D97-AF65-F5344CB8AC3E}">
-        <p14:creationId xmlns:p14="http://schemas.microsoft.com/office/powerpoint/2010/main" val="1027893730"/>
+        <p14:creationId xmlns:p14="http://schemas.microsoft.com/office/powerpoint/2010/main" xmlns="" val="1027893730"/>
       </p:ext>
     </p:extLst>
   </p:cSld>
@@ -5541,7 +5544,7 @@
     </p:spTree>
     <p:extLst>
       <p:ext uri="{BB962C8B-B14F-4D97-AF65-F5344CB8AC3E}">
-        <p14:creationId xmlns:p14="http://schemas.microsoft.com/office/powerpoint/2010/main" val="1901548073"/>
+        <p14:creationId xmlns:p14="http://schemas.microsoft.com/office/powerpoint/2010/main" xmlns="" val="1901548073"/>
       </p:ext>
     </p:extLst>
   </p:cSld>
@@ -5712,21 +5715,15 @@
           </p:nvPr>
         </p:nvPicPr>
         <p:blipFill>
-          <a:blip r:embed="rId2">
-            <a:extLst>
-              <a:ext uri="{28A0092B-C50C-407E-A947-70E740481C1C}">
-                <a14:useLocalDpi xmlns:a14="http://schemas.microsoft.com/office/drawing/2010/main" val="0"/>
-              </a:ext>
-            </a:extLst>
-          </a:blip>
+          <a:blip r:embed="rId2"/>
           <a:stretch>
             <a:fillRect/>
           </a:stretch>
         </p:blipFill>
         <p:spPr>
           <a:xfrm>
-            <a:off x="2398979" y="2320517"/>
-            <a:ext cx="7394040" cy="4159148"/>
+            <a:off x="2183026" y="2231996"/>
+            <a:ext cx="7883611" cy="4434531"/>
           </a:xfrm>
         </p:spPr>
       </p:pic>
@@ -5735,6 +5732,13 @@
   <p:clrMapOvr>
     <a:masterClrMapping/>
   </p:clrMapOvr>
+  <p:timing>
+    <p:tnLst>
+      <p:par>
+        <p:cTn id="1" dur="indefinite" restart="never" nodeType="tmRoot"/>
+      </p:par>
+    </p:tnLst>
+  </p:timing>
 </p:sld>
 </file>
 
@@ -5772,89 +5776,55 @@
           <a:p>
             <a:r>
               <a:rPr lang="ru-RU" dirty="0" smtClean="0"/>
-              <a:t>Что дальше</a:t>
-            </a:r>
-            <a:r>
-              <a:rPr lang="en-US" dirty="0" smtClean="0"/>
-              <a:t>?</a:t>
+              <a:t>Торговец</a:t>
             </a:r>
             <a:endParaRPr lang="ru-RU" dirty="0"/>
           </a:p>
         </p:txBody>
       </p:sp>
-      <p:sp>
-        <p:nvSpPr>
-          <p:cNvPr id="3" name="Объект 2"/>
-          <p:cNvSpPr>
-            <a:spLocks noGrp="1"/>
-          </p:cNvSpPr>
-          <p:nvPr>
-            <p:ph idx="1"/>
-          </p:nvPr>
-        </p:nvSpPr>
-        <p:spPr/>
-        <p:txBody>
-          <a:bodyPr/>
-          <a:lstStyle/>
-          <a:p>
-            <a:pPr marL="0" indent="0">
-              <a:buNone/>
-            </a:pPr>
-            <a:r>
-              <a:rPr lang="ru-RU" dirty="0" smtClean="0"/>
-              <a:t>В дальнейшем мы планируем развивать проект, а именно</a:t>
-            </a:r>
-            <a:r>
-              <a:rPr lang="en-US" dirty="0" smtClean="0"/>
-              <a:t>: </a:t>
-            </a:r>
-            <a:endParaRPr lang="ru-RU" dirty="0" smtClean="0"/>
-          </a:p>
-          <a:p>
-            <a:r>
-              <a:rPr lang="ru-RU" dirty="0" smtClean="0"/>
-              <a:t>Добавим больше врагов (наземных и подводных) </a:t>
-            </a:r>
-          </a:p>
-          <a:p>
-            <a:r>
-              <a:rPr lang="ru-RU" dirty="0" smtClean="0"/>
-              <a:t>Улучшим ощущения от игрового процесса</a:t>
-            </a:r>
-          </a:p>
-          <a:p>
-            <a:r>
-              <a:rPr lang="ru-RU" dirty="0" smtClean="0"/>
-              <a:t>Добавим уникальные подземелья со своими загадками и стилями окружения</a:t>
-            </a:r>
-          </a:p>
-          <a:p>
-            <a:r>
-              <a:rPr lang="ru-RU" dirty="0" smtClean="0"/>
-              <a:t>Создадим полноценный открытый мир с загадками и улучшениями</a:t>
-            </a:r>
-          </a:p>
-          <a:p>
-            <a:r>
-              <a:rPr lang="ru-RU" dirty="0" smtClean="0"/>
-              <a:t>Добавим больше персонажей и диалогов</a:t>
-            </a:r>
-          </a:p>
-          <a:p>
-            <a:endParaRPr lang="ru-RU" dirty="0"/>
-          </a:p>
-        </p:txBody>
-      </p:sp>
+      <p:pic>
+        <p:nvPicPr>
+          <p:cNvPr id="6" name="Объект 3"/>
+          <p:cNvPicPr>
+            <a:picLocks noChangeAspect="1"/>
+          </p:cNvPicPr>
+          <p:nvPr/>
+        </p:nvPicPr>
+        <p:blipFill>
+          <a:blip r:embed="rId2"/>
+          <a:stretch>
+            <a:fillRect/>
+          </a:stretch>
+        </p:blipFill>
+        <p:spPr>
+          <a:xfrm>
+            <a:off x="2183026" y="2231996"/>
+            <a:ext cx="7883610" cy="4434531"/>
+          </a:xfrm>
+          <a:prstGeom prst="rect">
+            <a:avLst/>
+          </a:prstGeom>
+          <a:effectLst>
+            <a:outerShdw blurRad="50800" dir="14400000">
+              <a:srgbClr val="000000">
+                <a:alpha val="40000"/>
+              </a:srgbClr>
+            </a:outerShdw>
+          </a:effectLst>
+        </p:spPr>
+      </p:pic>
     </p:spTree>
-    <p:extLst>
-      <p:ext uri="{BB962C8B-B14F-4D97-AF65-F5344CB8AC3E}">
-        <p14:creationId xmlns:p14="http://schemas.microsoft.com/office/powerpoint/2010/main" val="1509248006"/>
-      </p:ext>
-    </p:extLst>
   </p:cSld>
   <p:clrMapOvr>
     <a:masterClrMapping/>
   </p:clrMapOvr>
+  <p:timing>
+    <p:tnLst>
+      <p:par>
+        <p:cTn id="1" dur="indefinite" restart="never" nodeType="tmRoot"/>
+      </p:par>
+    </p:tnLst>
+  </p:timing>
 </p:sld>
 </file>
 
@@ -5892,7 +5862,7 @@
           <a:p>
             <a:r>
               <a:rPr lang="ru-RU" dirty="0" smtClean="0"/>
-              <a:t>Заключение</a:t>
+              <a:t>Главный противник - Краб</a:t>
             </a:r>
             <a:endParaRPr lang="ru-RU" dirty="0"/>
           </a:p>
@@ -5900,35 +5870,444 @@
       </p:sp>
       <p:sp>
         <p:nvSpPr>
-          <p:cNvPr id="3" name="Содержимое 2"/>
-          <p:cNvSpPr>
-            <a:spLocks noGrp="1"/>
-          </p:cNvSpPr>
+          <p:cNvPr id="5" name="Заголовок 1"/>
+          <p:cNvSpPr txBox="1">
+            <a:spLocks/>
+          </p:cNvSpPr>
+          <p:nvPr/>
+        </p:nvSpPr>
+        <p:spPr>
+          <a:xfrm>
+            <a:off x="832025" y="1243914"/>
+            <a:ext cx="6236042" cy="741407"/>
+          </a:xfrm>
+          <a:prstGeom prst="rect">
+            <a:avLst/>
+          </a:prstGeom>
+          <a:effectLst>
+            <a:outerShdw blurRad="50800" dir="14400000">
+              <a:srgbClr val="000000">
+                <a:alpha val="60000"/>
+              </a:srgbClr>
+            </a:outerShdw>
+          </a:effectLst>
+        </p:spPr>
+        <p:txBody>
+          <a:bodyPr vert="horz" lIns="91440" tIns="45720" rIns="91440" bIns="45720" rtlCol="0" anchor="b">
+            <a:noAutofit/>
+          </a:bodyPr>
+          <a:lstStyle/>
+          <a:p>
+            <a:pPr lvl="0">
+              <a:lnSpc>
+                <a:spcPct val="70000"/>
+              </a:lnSpc>
+              <a:spcBef>
+                <a:spcPct val="0"/>
+              </a:spcBef>
+            </a:pPr>
+            <a:r>
+              <a:rPr lang="ru-RU" sz="2400" b="1" dirty="0" smtClean="0">
+                <a:solidFill>
+                  <a:srgbClr val="FEFEFE"/>
+                </a:solidFill>
+                <a:latin typeface="+mj-lt"/>
+                <a:ea typeface="+mj-ea"/>
+                <a:cs typeface="+mj-cs"/>
+              </a:rPr>
+              <a:t>Смысл жизни - </a:t>
+            </a:r>
+            <a:r>
+              <a:rPr lang="ru-RU" sz="2400" b="1" dirty="0" smtClean="0">
+                <a:solidFill>
+                  <a:srgbClr val="FEFEFE"/>
+                </a:solidFill>
+                <a:latin typeface="+mj-lt"/>
+                <a:ea typeface="+mj-ea"/>
+                <a:cs typeface="+mj-cs"/>
+              </a:rPr>
+              <a:t>поймать пирата. </a:t>
+            </a:r>
+            <a:endParaRPr lang="ru-RU" sz="2400" b="1" dirty="0" smtClean="0">
+              <a:solidFill>
+                <a:srgbClr val="FEFEFE"/>
+              </a:solidFill>
+              <a:latin typeface="+mj-lt"/>
+              <a:ea typeface="+mj-ea"/>
+              <a:cs typeface="+mj-cs"/>
+            </a:endParaRPr>
+          </a:p>
+          <a:p>
+            <a:pPr lvl="0">
+              <a:lnSpc>
+                <a:spcPct val="70000"/>
+              </a:lnSpc>
+              <a:spcBef>
+                <a:spcPct val="0"/>
+              </a:spcBef>
+            </a:pPr>
+            <a:r>
+              <a:rPr lang="ru-RU" sz="2400" b="1" dirty="0" smtClean="0">
+                <a:solidFill>
+                  <a:srgbClr val="FEFEFE"/>
+                </a:solidFill>
+                <a:latin typeface="+mj-lt"/>
+                <a:ea typeface="+mj-ea"/>
+                <a:cs typeface="+mj-cs"/>
+              </a:rPr>
+              <a:t>И </a:t>
+            </a:r>
+            <a:r>
+              <a:rPr lang="ru-RU" sz="2400" b="1" dirty="0" smtClean="0">
+                <a:solidFill>
+                  <a:srgbClr val="FEFEFE"/>
+                </a:solidFill>
+                <a:latin typeface="+mj-lt"/>
+                <a:ea typeface="+mj-ea"/>
+                <a:cs typeface="+mj-cs"/>
+              </a:rPr>
+              <a:t>они готовы </a:t>
+            </a:r>
+            <a:r>
+              <a:rPr lang="ru-RU" sz="2400" b="1" dirty="0" smtClean="0">
+                <a:solidFill>
+                  <a:srgbClr val="FEFEFE"/>
+                </a:solidFill>
+                <a:latin typeface="+mj-lt"/>
+                <a:ea typeface="+mj-ea"/>
+                <a:cs typeface="+mj-cs"/>
+              </a:rPr>
+              <a:t>пойти на </a:t>
+            </a:r>
+            <a:r>
+              <a:rPr lang="ru-RU" sz="2400" b="1" dirty="0" smtClean="0">
+                <a:solidFill>
+                  <a:srgbClr val="FEFEFE"/>
+                </a:solidFill>
+                <a:latin typeface="+mj-lt"/>
+                <a:ea typeface="+mj-ea"/>
+                <a:cs typeface="+mj-cs"/>
+              </a:rPr>
+              <a:t>всё ради этого</a:t>
+            </a:r>
+            <a:endParaRPr kumimoji="0" lang="ru-RU" sz="2400" b="1" i="0" u="none" strike="noStrike" kern="1200" cap="none" spc="0" normalizeH="0" baseline="0" noProof="0" dirty="0">
+              <a:ln>
+                <a:noFill/>
+              </a:ln>
+              <a:solidFill>
+                <a:srgbClr val="FEFEFE"/>
+              </a:solidFill>
+              <a:effectLst/>
+              <a:uLnTx/>
+              <a:uFillTx/>
+              <a:latin typeface="+mj-lt"/>
+              <a:ea typeface="+mj-ea"/>
+              <a:cs typeface="+mj-cs"/>
+            </a:endParaRPr>
+          </a:p>
+        </p:txBody>
+      </p:sp>
+      <p:pic>
+        <p:nvPicPr>
+          <p:cNvPr id="6" name="Объект 3"/>
+          <p:cNvPicPr>
+            <a:picLocks noGrp="1" noChangeAspect="1"/>
+          </p:cNvPicPr>
           <p:nvPr>
             <p:ph idx="1"/>
           </p:nvPr>
+        </p:nvPicPr>
+        <p:blipFill>
+          <a:blip r:embed="rId2"/>
+          <a:stretch>
+            <a:fillRect/>
+          </a:stretch>
+        </p:blipFill>
+        <p:spPr>
+          <a:xfrm>
+            <a:off x="2183026" y="2231996"/>
+            <a:ext cx="7883610" cy="4434531"/>
+          </a:xfrm>
+        </p:spPr>
+      </p:pic>
+    </p:spTree>
+  </p:cSld>
+  <p:clrMapOvr>
+    <a:masterClrMapping/>
+  </p:clrMapOvr>
+</p:sld>
+</file>
+
+<file path=ppt/slides/slide7.xml><?xml version="1.0" encoding="utf-8"?>
+<p:sld xmlns:a="http://schemas.openxmlformats.org/drawingml/2006/main" xmlns:r="http://schemas.openxmlformats.org/officeDocument/2006/relationships" xmlns:p="http://schemas.openxmlformats.org/presentationml/2006/main">
+  <p:cSld>
+    <p:spTree>
+      <p:nvGrpSpPr>
+        <p:cNvPr id="1" name=""/>
+        <p:cNvGrpSpPr/>
+        <p:nvPr/>
+      </p:nvGrpSpPr>
+      <p:grpSpPr>
+        <a:xfrm>
+          <a:off x="0" y="0"/>
+          <a:ext cx="0" cy="0"/>
+          <a:chOff x="0" y="0"/>
+          <a:chExt cx="0" cy="0"/>
+        </a:xfrm>
+      </p:grpSpPr>
+      <p:sp>
+        <p:nvSpPr>
+          <p:cNvPr id="2" name="Заголовок 1"/>
+          <p:cNvSpPr>
+            <a:spLocks noGrp="1"/>
+          </p:cNvSpPr>
+          <p:nvPr>
+            <p:ph type="title"/>
+          </p:nvPr>
         </p:nvSpPr>
         <p:spPr/>
         <p:txBody>
-          <a:bodyPr>
-            <a:normAutofit/>
-          </a:bodyPr>
-          <a:lstStyle/>
-          <a:p>
-            <a:r>
-              <a:rPr lang="ru-RU" sz="2000" dirty="0" smtClean="0"/>
-              <a:t>Для создания полноценной игры необходимо добавить больше уровней и противников</a:t>
-            </a:r>
-          </a:p>
-          <a:p>
-            <a:r>
-              <a:rPr lang="ru-RU" sz="2000" dirty="0" smtClean="0"/>
-              <a:t>Целью игры планируется сделать поиск клада по картам</a:t>
-            </a:r>
-          </a:p>
-        </p:txBody>
-      </p:sp>
+          <a:bodyPr/>
+          <a:lstStyle/>
+          <a:p>
+            <a:r>
+              <a:rPr lang="ru-RU" dirty="0" smtClean="0"/>
+              <a:t>Дружелюбный коллега</a:t>
+            </a:r>
+            <a:endParaRPr lang="ru-RU" dirty="0"/>
+          </a:p>
+        </p:txBody>
+      </p:sp>
+      <p:pic>
+        <p:nvPicPr>
+          <p:cNvPr id="4" name="Объект 3"/>
+          <p:cNvPicPr>
+            <a:picLocks noGrp="1" noChangeAspect="1"/>
+          </p:cNvPicPr>
+          <p:nvPr>
+            <p:ph idx="1"/>
+          </p:nvPr>
+        </p:nvPicPr>
+        <p:blipFill>
+          <a:blip r:embed="rId2"/>
+          <a:stretch>
+            <a:fillRect/>
+          </a:stretch>
+        </p:blipFill>
+        <p:spPr>
+          <a:xfrm>
+            <a:off x="2183026" y="2231996"/>
+            <a:ext cx="7883610" cy="4434531"/>
+          </a:xfrm>
+        </p:spPr>
+      </p:pic>
     </p:spTree>
+  </p:cSld>
+  <p:clrMapOvr>
+    <a:masterClrMapping/>
+  </p:clrMapOvr>
+</p:sld>
+</file>
+
+<file path=ppt/slides/slide8.xml><?xml version="1.0" encoding="utf-8"?>
+<p:sld xmlns:a="http://schemas.openxmlformats.org/drawingml/2006/main" xmlns:r="http://schemas.openxmlformats.org/officeDocument/2006/relationships" xmlns:p="http://schemas.openxmlformats.org/presentationml/2006/main">
+  <p:cSld>
+    <p:spTree>
+      <p:nvGrpSpPr>
+        <p:cNvPr id="1" name=""/>
+        <p:cNvGrpSpPr/>
+        <p:nvPr/>
+      </p:nvGrpSpPr>
+      <p:grpSpPr>
+        <a:xfrm>
+          <a:off x="0" y="0"/>
+          <a:ext cx="0" cy="0"/>
+          <a:chOff x="0" y="0"/>
+          <a:chExt cx="0" cy="0"/>
+        </a:xfrm>
+      </p:grpSpPr>
+      <p:sp>
+        <p:nvSpPr>
+          <p:cNvPr id="2" name="Заголовок 1"/>
+          <p:cNvSpPr>
+            <a:spLocks noGrp="1"/>
+          </p:cNvSpPr>
+          <p:nvPr>
+            <p:ph type="title"/>
+          </p:nvPr>
+        </p:nvSpPr>
+        <p:spPr/>
+        <p:txBody>
+          <a:bodyPr/>
+          <a:lstStyle/>
+          <a:p>
+            <a:r>
+              <a:rPr lang="ru-RU" dirty="0" smtClean="0"/>
+              <a:t>Поиск клада</a:t>
+            </a:r>
+            <a:endParaRPr lang="ru-RU" dirty="0"/>
+          </a:p>
+        </p:txBody>
+      </p:sp>
+      <p:pic>
+        <p:nvPicPr>
+          <p:cNvPr id="4" name="Объект 3"/>
+          <p:cNvPicPr>
+            <a:picLocks noGrp="1" noChangeAspect="1"/>
+          </p:cNvPicPr>
+          <p:nvPr>
+            <p:ph idx="1"/>
+          </p:nvPr>
+        </p:nvPicPr>
+        <p:blipFill>
+          <a:blip r:embed="rId2"/>
+          <a:stretch>
+            <a:fillRect/>
+          </a:stretch>
+        </p:blipFill>
+        <p:spPr>
+          <a:xfrm>
+            <a:off x="2183026" y="2231996"/>
+            <a:ext cx="7883610" cy="4434531"/>
+          </a:xfrm>
+        </p:spPr>
+      </p:pic>
+    </p:spTree>
+  </p:cSld>
+  <p:clrMapOvr>
+    <a:masterClrMapping/>
+  </p:clrMapOvr>
+</p:sld>
+</file>
+
+<file path=ppt/slides/slide9.xml><?xml version="1.0" encoding="utf-8"?>
+<p:sld xmlns:a="http://schemas.openxmlformats.org/drawingml/2006/main" xmlns:r="http://schemas.openxmlformats.org/officeDocument/2006/relationships" xmlns:p="http://schemas.openxmlformats.org/presentationml/2006/main">
+  <p:cSld>
+    <p:spTree>
+      <p:nvGrpSpPr>
+        <p:cNvPr id="1" name=""/>
+        <p:cNvGrpSpPr/>
+        <p:nvPr/>
+      </p:nvGrpSpPr>
+      <p:grpSpPr>
+        <a:xfrm>
+          <a:off x="0" y="0"/>
+          <a:ext cx="0" cy="0"/>
+          <a:chOff x="0" y="0"/>
+          <a:chExt cx="0" cy="0"/>
+        </a:xfrm>
+      </p:grpSpPr>
+      <p:sp>
+        <p:nvSpPr>
+          <p:cNvPr id="2" name="Заголовок 1"/>
+          <p:cNvSpPr>
+            <a:spLocks noGrp="1"/>
+          </p:cNvSpPr>
+          <p:nvPr>
+            <p:ph type="title"/>
+          </p:nvPr>
+        </p:nvSpPr>
+        <p:spPr/>
+        <p:txBody>
+          <a:bodyPr/>
+          <a:lstStyle/>
+          <a:p>
+            <a:r>
+              <a:rPr lang="ru-RU" dirty="0" smtClean="0"/>
+              <a:t>Что дальше</a:t>
+            </a:r>
+            <a:r>
+              <a:rPr lang="en-US" dirty="0" smtClean="0"/>
+              <a:t>?</a:t>
+            </a:r>
+            <a:endParaRPr lang="ru-RU" dirty="0"/>
+          </a:p>
+        </p:txBody>
+      </p:sp>
+      <p:sp>
+        <p:nvSpPr>
+          <p:cNvPr id="3" name="Объект 2"/>
+          <p:cNvSpPr>
+            <a:spLocks noGrp="1"/>
+          </p:cNvSpPr>
+          <p:nvPr>
+            <p:ph idx="1"/>
+          </p:nvPr>
+        </p:nvSpPr>
+        <p:spPr/>
+        <p:txBody>
+          <a:bodyPr/>
+          <a:lstStyle/>
+          <a:p>
+            <a:pPr marL="0" indent="0">
+              <a:buNone/>
+            </a:pPr>
+            <a:r>
+              <a:rPr lang="ru-RU" dirty="0" smtClean="0"/>
+              <a:t>В дальнейшем мы планируем развивать проект, а именно</a:t>
+            </a:r>
+            <a:r>
+              <a:rPr lang="en-US" dirty="0" smtClean="0"/>
+              <a:t>: </a:t>
+            </a:r>
+            <a:endParaRPr lang="ru-RU" dirty="0" smtClean="0"/>
+          </a:p>
+          <a:p>
+            <a:r>
+              <a:rPr lang="ru-RU" dirty="0" smtClean="0"/>
+              <a:t>Добавим больше врагов (наземных и подводных) </a:t>
+            </a:r>
+          </a:p>
+          <a:p>
+            <a:r>
+              <a:rPr lang="ru-RU" dirty="0" smtClean="0"/>
+              <a:t>Улучшим ощущения от игрового процесса</a:t>
+            </a:r>
+          </a:p>
+          <a:p>
+            <a:r>
+              <a:rPr lang="ru-RU" dirty="0" smtClean="0"/>
+              <a:t>Добавим уникальные подземелья со своими загадками и стилями окружения</a:t>
+            </a:r>
+          </a:p>
+          <a:p>
+            <a:r>
+              <a:rPr lang="ru-RU" dirty="0" smtClean="0"/>
+              <a:t>Создадим полноценный открытый мир с загадками и улучшениями</a:t>
+            </a:r>
+          </a:p>
+          <a:p>
+            <a:r>
+              <a:rPr lang="ru-RU" dirty="0" smtClean="0"/>
+              <a:t>Добавим больше персонажей и </a:t>
+            </a:r>
+            <a:r>
+              <a:rPr lang="ru-RU" dirty="0" smtClean="0"/>
+              <a:t>диалогов</a:t>
+            </a:r>
+          </a:p>
+          <a:p>
+            <a:r>
+              <a:rPr lang="ru-RU" dirty="0" smtClean="0"/>
+              <a:t>Сделаем </a:t>
+            </a:r>
+            <a:r>
+              <a:rPr lang="ru-RU" dirty="0" smtClean="0"/>
+              <a:t>поиск клада по картам</a:t>
+            </a:r>
+            <a:endParaRPr lang="ru-RU" dirty="0" smtClean="0"/>
+          </a:p>
+          <a:p>
+            <a:endParaRPr lang="ru-RU" dirty="0"/>
+          </a:p>
+        </p:txBody>
+      </p:sp>
+    </p:spTree>
+    <p:extLst>
+      <p:ext uri="{BB962C8B-B14F-4D97-AF65-F5344CB8AC3E}">
+        <p14:creationId xmlns:p14="http://schemas.microsoft.com/office/powerpoint/2010/main" xmlns="" val="1509248006"/>
+      </p:ext>
+    </p:extLst>
   </p:cSld>
   <p:clrMapOvr>
     <a:masterClrMapping/>
@@ -6167,7 +6546,7 @@
   <a:extraClrSchemeLst/>
   <a:extLst>
     <a:ext uri="{05A4C25C-085E-4340-85A3-A5531E510DB2}">
-      <thm15:themeFamily xmlns:thm15="http://schemas.microsoft.com/office/thememl/2012/main" name="Quotable" id="{39EC5628-30ED-4578-ACD8-9820EDB8E15A}" vid="{6F3559E9-1A4C-49D8-94D4-F41003531C49}"/>
+      <thm15:themeFamily xmlns:thm15="http://schemas.microsoft.com/office/thememl/2012/main" xmlns="" name="Quotable" id="{39EC5628-30ED-4578-ACD8-9820EDB8E15A}" vid="{6F3559E9-1A4C-49D8-94D4-F41003531C49}"/>
     </a:ext>
   </a:extLst>
 </a:theme>

--- a/docs/The Legend of Pirate.pptx
+++ b/docs/The Legend of Pirate.pptx
@@ -114,7 +114,7 @@
   </p:defaultTextStyle>
   <p:extLst>
     <p:ext uri="{EFAFB233-063F-42B5-8137-9DF3F51BA10A}">
-      <p15:sldGuideLst xmlns:p15="http://schemas.microsoft.com/office/powerpoint/2012/main" xmlns="">
+      <p15:sldGuideLst xmlns="" xmlns:p15="http://schemas.microsoft.com/office/powerpoint/2012/main">
         <p15:guide id="1" orient="horz" pos="2160">
           <p15:clr>
             <a:srgbClr val="A4A3A4"/>
@@ -226,7 +226,7 @@
           <a:effectLst/>
           <a:extLst>
             <a:ext uri="{91240B29-F687-4f45-9708-019B960494DF}">
-              <a14:hiddenLine xmlns:a14="http://schemas.microsoft.com/office/drawing/2010/main" xmlns="" w="9525">
+              <a14:hiddenLine xmlns="" xmlns:a14="http://schemas.microsoft.com/office/drawing/2010/main" w="9525">
                 <a:solidFill>
                   <a:srgbClr val="000000"/>
                 </a:solidFill>
@@ -419,7 +419,7 @@
             <a:fld id="{08B9EBBA-996F-894A-B54A-D6246ED52CEA}" type="datetimeFigureOut">
               <a:rPr lang="en-US" dirty="0"/>
               <a:pPr/>
-              <a:t>1/15/2022</a:t>
+              <a:t>1/21/2022</a:t>
             </a:fld>
             <a:endParaRPr lang="en-US" dirty="0"/>
           </a:p>
@@ -734,7 +734,7 @@
             <a:fld id="{18C79C5D-2A6F-F04D-97DA-BEF2467B64E4}" type="datetimeFigureOut">
               <a:rPr lang="en-US" dirty="0"/>
               <a:pPr/>
-              <a:t>1/15/2022</a:t>
+              <a:t>1/21/2022</a:t>
             </a:fld>
             <a:endParaRPr lang="en-US" dirty="0"/>
           </a:p>
@@ -1219,7 +1219,7 @@
             <a:fld id="{8DFA1846-DA80-1C48-A609-854EA85C59AD}" type="datetimeFigureOut">
               <a:rPr lang="en-US" dirty="0"/>
               <a:pPr/>
-              <a:t>1/15/2022</a:t>
+              <a:t>1/21/2022</a:t>
             </a:fld>
             <a:endParaRPr lang="en-US" dirty="0"/>
           </a:p>
@@ -1585,7 +1585,7 @@
             <a:fld id="{FBF54567-0DE4-3F47-BF90-CB84690072F9}" type="datetimeFigureOut">
               <a:rPr lang="en-US" dirty="0"/>
               <a:pPr/>
-              <a:t>1/15/2022</a:t>
+              <a:t>1/21/2022</a:t>
             </a:fld>
             <a:endParaRPr lang="en-US" dirty="0"/>
           </a:p>
@@ -1736,7 +1736,7 @@
           <a:ln/>
           <a:extLst>
             <a:ext uri="{91240B29-F687-4f45-9708-019B960494DF}">
-              <a14:hiddenLine xmlns:a14="http://schemas.microsoft.com/office/drawing/2010/main" xmlns="" w="9525">
+              <a14:hiddenLine xmlns="" xmlns:a14="http://schemas.microsoft.com/office/drawing/2010/main" w="9525">
                 <a:solidFill>
                   <a:srgbClr val="000000"/>
                 </a:solidFill>
@@ -1855,7 +1855,7 @@
             <a:fld id="{C6C52C72-DE31-F449-A4ED-4C594FD91407}" type="datetimeFigureOut">
               <a:rPr lang="en-US" dirty="0"/>
               <a:pPr/>
-              <a:t>1/15/2022</a:t>
+              <a:t>1/21/2022</a:t>
             </a:fld>
             <a:endParaRPr lang="en-US" dirty="0"/>
           </a:p>
@@ -2008,7 +2008,7 @@
           <a:ln/>
           <a:extLst>
             <a:ext uri="{91240B29-F687-4f45-9708-019B960494DF}">
-              <a14:hiddenLine xmlns:a14="http://schemas.microsoft.com/office/drawing/2010/main" xmlns="" w="9525">
+              <a14:hiddenLine xmlns="" xmlns:a14="http://schemas.microsoft.com/office/drawing/2010/main" w="9525">
                 <a:solidFill>
                   <a:srgbClr val="000000"/>
                 </a:solidFill>
@@ -2137,7 +2137,7 @@
             <a:fld id="{ED62726E-379B-B349-9EED-81ED093FA806}" type="datetimeFigureOut">
               <a:rPr lang="en-US" dirty="0"/>
               <a:pPr/>
-              <a:t>1/15/2022</a:t>
+              <a:t>1/21/2022</a:t>
             </a:fld>
             <a:endParaRPr lang="en-US" dirty="0"/>
           </a:p>
@@ -2288,7 +2288,7 @@
           <a:ln/>
           <a:extLst>
             <a:ext uri="{91240B29-F687-4f45-9708-019B960494DF}">
-              <a14:hiddenLine xmlns:a14="http://schemas.microsoft.com/office/drawing/2010/main" xmlns="" w="9525">
+              <a14:hiddenLine xmlns="" xmlns:a14="http://schemas.microsoft.com/office/drawing/2010/main" w="9525">
                 <a:solidFill>
                   <a:srgbClr val="000000"/>
                 </a:solidFill>
@@ -2417,7 +2417,7 @@
             <a:fld id="{9B3A1323-8D79-1946-B0D7-40001CF92E9D}" type="datetimeFigureOut">
               <a:rPr lang="en-US" dirty="0"/>
               <a:pPr/>
-              <a:t>1/15/2022</a:t>
+              <a:t>1/21/2022</a:t>
             </a:fld>
             <a:endParaRPr lang="en-US" dirty="0"/>
           </a:p>
@@ -2757,7 +2757,7 @@
             <a:fld id="{8DFA1846-DA80-1C48-A609-854EA85C59AD}" type="datetimeFigureOut">
               <a:rPr lang="en-US" dirty="0"/>
               <a:pPr/>
-              <a:t>1/15/2022</a:t>
+              <a:t>1/21/2022</a:t>
             </a:fld>
             <a:endParaRPr lang="en-US" dirty="0"/>
           </a:p>
@@ -2908,7 +2908,7 @@
           <a:ln/>
           <a:extLst>
             <a:ext uri="{91240B29-F687-4f45-9708-019B960494DF}">
-              <a14:hiddenLine xmlns:a14="http://schemas.microsoft.com/office/drawing/2010/main" xmlns="" w="9525">
+              <a14:hiddenLine xmlns="" xmlns:a14="http://schemas.microsoft.com/office/drawing/2010/main" w="9525">
                 <a:solidFill>
                   <a:srgbClr val="000000"/>
                 </a:solidFill>
@@ -3093,7 +3093,7 @@
             <a:fld id="{57302355-E14B-8545-A8F8-0FE83CC9D524}" type="datetimeFigureOut">
               <a:rPr lang="en-US" dirty="0"/>
               <a:pPr/>
-              <a:t>1/15/2022</a:t>
+              <a:t>1/21/2022</a:t>
             </a:fld>
             <a:endParaRPr lang="en-US" dirty="0"/>
           </a:p>
@@ -3244,7 +3244,7 @@
           <a:ln/>
           <a:extLst>
             <a:ext uri="{91240B29-F687-4f45-9708-019B960494DF}">
-              <a14:hiddenLine xmlns:a14="http://schemas.microsoft.com/office/drawing/2010/main" xmlns="" w="9525">
+              <a14:hiddenLine xmlns="" xmlns:a14="http://schemas.microsoft.com/office/drawing/2010/main" w="9525">
                 <a:solidFill>
                   <a:srgbClr val="000000"/>
                 </a:solidFill>
@@ -3567,7 +3567,7 @@
             <a:fld id="{02640F58-564D-2B4F-AE67-E407BA4FCF45}" type="datetimeFigureOut">
               <a:rPr lang="en-US" dirty="0"/>
               <a:pPr/>
-              <a:t>1/15/2022</a:t>
+              <a:t>1/21/2022</a:t>
             </a:fld>
             <a:endParaRPr lang="en-US" dirty="0"/>
           </a:p>
@@ -3718,7 +3718,7 @@
           <a:ln/>
           <a:extLst>
             <a:ext uri="{91240B29-F687-4f45-9708-019B960494DF}">
-              <a14:hiddenLine xmlns:a14="http://schemas.microsoft.com/office/drawing/2010/main" xmlns="" w="9525">
+              <a14:hiddenLine xmlns="" xmlns:a14="http://schemas.microsoft.com/office/drawing/2010/main" w="9525">
                 <a:solidFill>
                   <a:srgbClr val="000000"/>
                 </a:solidFill>
@@ -3785,7 +3785,7 @@
             <a:fld id="{F13A34C8-038E-2045-AF43-DF7DBB8E0E9E}" type="datetimeFigureOut">
               <a:rPr lang="en-US" dirty="0"/>
               <a:pPr/>
-              <a:t>1/15/2022</a:t>
+              <a:t>1/21/2022</a:t>
             </a:fld>
             <a:endParaRPr lang="en-US" dirty="0"/>
           </a:p>
@@ -3877,7 +3877,7 @@
             <a:fld id="{8818C68F-D26B-8F47-958C-23B49CF8A634}" type="datetimeFigureOut">
               <a:rPr lang="en-US" dirty="0"/>
               <a:pPr/>
-              <a:t>1/15/2022</a:t>
+              <a:t>1/21/2022</a:t>
             </a:fld>
             <a:endParaRPr lang="en-US" dirty="0"/>
           </a:p>
@@ -4141,7 +4141,7 @@
           <a:ln/>
           <a:extLst>
             <a:ext uri="{91240B29-F687-4f45-9708-019B960494DF}">
-              <a14:hiddenLine xmlns:a14="http://schemas.microsoft.com/office/drawing/2010/main" xmlns="" w="9525">
+              <a14:hiddenLine xmlns="" xmlns:a14="http://schemas.microsoft.com/office/drawing/2010/main" w="9525">
                 <a:solidFill>
                   <a:srgbClr val="000000"/>
                 </a:solidFill>
@@ -4341,7 +4341,7 @@
             <a:fld id="{D0DF5E60-9974-AC48-9591-99C2BB44B7CF}" type="datetimeFigureOut">
               <a:rPr lang="en-US" dirty="0"/>
               <a:pPr/>
-              <a:t>1/15/2022</a:t>
+              <a:t>1/21/2022</a:t>
             </a:fld>
             <a:endParaRPr lang="en-US" dirty="0"/>
           </a:p>
@@ -4651,7 +4651,7 @@
             <a:fld id="{18C79C5D-2A6F-F04D-97DA-BEF2467B64E4}" type="datetimeFigureOut">
               <a:rPr lang="en-US" dirty="0"/>
               <a:pPr/>
-              <a:t>1/15/2022</a:t>
+              <a:t>1/21/2022</a:t>
             </a:fld>
             <a:endParaRPr lang="en-US" dirty="0"/>
           </a:p>
@@ -4918,7 +4918,7 @@
             <a:fld id="{09B482E8-6E0E-1B4F-B1FD-C69DB9E858D9}" type="datetimeFigureOut">
               <a:rPr lang="en-US" dirty="0"/>
               <a:pPr/>
-              <a:t>1/15/2022</a:t>
+              <a:t>1/21/2022</a:t>
             </a:fld>
             <a:endParaRPr lang="en-US" dirty="0"/>
           </a:p>
@@ -5426,7 +5426,7 @@
     </p:spTree>
     <p:extLst>
       <p:ext uri="{BB962C8B-B14F-4D97-AF65-F5344CB8AC3E}">
-        <p14:creationId xmlns:p14="http://schemas.microsoft.com/office/powerpoint/2010/main" xmlns="" val="1027893730"/>
+        <p14:creationId xmlns="" xmlns:p14="http://schemas.microsoft.com/office/powerpoint/2010/main" val="1027893730"/>
       </p:ext>
     </p:extLst>
   </p:cSld>
@@ -5544,7 +5544,7 @@
     </p:spTree>
     <p:extLst>
       <p:ext uri="{BB962C8B-B14F-4D97-AF65-F5344CB8AC3E}">
-        <p14:creationId xmlns:p14="http://schemas.microsoft.com/office/powerpoint/2010/main" xmlns="" val="1901548073"/>
+        <p14:creationId xmlns="" xmlns:p14="http://schemas.microsoft.com/office/powerpoint/2010/main" val="1901548073"/>
       </p:ext>
     </p:extLst>
   </p:cSld>
@@ -5799,7 +5799,7 @@
         <p:spPr>
           <a:xfrm>
             <a:off x="2183026" y="2231996"/>
-            <a:ext cx="7883610" cy="4434531"/>
+            <a:ext cx="7883610" cy="4434530"/>
           </a:xfrm>
           <a:prstGeom prst="rect">
             <a:avLst/>
@@ -5915,8 +5915,18 @@
                 <a:ea typeface="+mj-ea"/>
                 <a:cs typeface="+mj-cs"/>
               </a:rPr>
-              <a:t>Смысл жизни - </a:t>
-            </a:r>
+              <a:t>Смысл жизни - поймать пирата. </a:t>
+            </a:r>
+          </a:p>
+          <a:p>
+            <a:pPr lvl="0">
+              <a:lnSpc>
+                <a:spcPct val="70000"/>
+              </a:lnSpc>
+              <a:spcBef>
+                <a:spcPct val="0"/>
+              </a:spcBef>
+            </a:pPr>
             <a:r>
               <a:rPr lang="ru-RU" sz="2400" b="1" dirty="0" smtClean="0">
                 <a:solidFill>
@@ -5926,69 +5936,7 @@
                 <a:ea typeface="+mj-ea"/>
                 <a:cs typeface="+mj-cs"/>
               </a:rPr>
-              <a:t>поймать пирата. </a:t>
-            </a:r>
-            <a:endParaRPr lang="ru-RU" sz="2400" b="1" dirty="0" smtClean="0">
-              <a:solidFill>
-                <a:srgbClr val="FEFEFE"/>
-              </a:solidFill>
-              <a:latin typeface="+mj-lt"/>
-              <a:ea typeface="+mj-ea"/>
-              <a:cs typeface="+mj-cs"/>
-            </a:endParaRPr>
-          </a:p>
-          <a:p>
-            <a:pPr lvl="0">
-              <a:lnSpc>
-                <a:spcPct val="70000"/>
-              </a:lnSpc>
-              <a:spcBef>
-                <a:spcPct val="0"/>
-              </a:spcBef>
-            </a:pPr>
-            <a:r>
-              <a:rPr lang="ru-RU" sz="2400" b="1" dirty="0" smtClean="0">
-                <a:solidFill>
-                  <a:srgbClr val="FEFEFE"/>
-                </a:solidFill>
-                <a:latin typeface="+mj-lt"/>
-                <a:ea typeface="+mj-ea"/>
-                <a:cs typeface="+mj-cs"/>
-              </a:rPr>
-              <a:t>И </a:t>
-            </a:r>
-            <a:r>
-              <a:rPr lang="ru-RU" sz="2400" b="1" dirty="0" smtClean="0">
-                <a:solidFill>
-                  <a:srgbClr val="FEFEFE"/>
-                </a:solidFill>
-                <a:latin typeface="+mj-lt"/>
-                <a:ea typeface="+mj-ea"/>
-                <a:cs typeface="+mj-cs"/>
-              </a:rPr>
-              <a:t>они готовы </a:t>
-            </a:r>
-            <a:r>
-              <a:rPr lang="ru-RU" sz="2400" b="1" dirty="0" smtClean="0">
-                <a:solidFill>
-                  <a:srgbClr val="FEFEFE"/>
-                </a:solidFill>
-                <a:latin typeface="+mj-lt"/>
-                <a:ea typeface="+mj-ea"/>
-                <a:cs typeface="+mj-cs"/>
-              </a:rPr>
-              <a:t>пойти на </a:t>
-            </a:r>
-            <a:r>
-              <a:rPr lang="ru-RU" sz="2400" b="1" dirty="0" smtClean="0">
-                <a:solidFill>
-                  <a:srgbClr val="FEFEFE"/>
-                </a:solidFill>
-                <a:latin typeface="+mj-lt"/>
-                <a:ea typeface="+mj-ea"/>
-                <a:cs typeface="+mj-cs"/>
-              </a:rPr>
-              <a:t>всё ради этого</a:t>
+              <a:t>И они готовы пойти на всё ради этого</a:t>
             </a:r>
             <a:endParaRPr kumimoji="0" lang="ru-RU" sz="2400" b="1" i="0" u="none" strike="noStrike" kern="1200" cap="none" spc="0" normalizeH="0" baseline="0" noProof="0" dirty="0">
               <a:ln>
@@ -6097,7 +6045,7 @@
         <p:spPr>
           <a:xfrm>
             <a:off x="2183026" y="2231996"/>
-            <a:ext cx="7883610" cy="4434531"/>
+            <a:ext cx="7883610" cy="4434530"/>
           </a:xfrm>
         </p:spPr>
       </p:pic>
@@ -6279,23 +6227,14 @@
           <a:p>
             <a:r>
               <a:rPr lang="ru-RU" dirty="0" smtClean="0"/>
-              <a:t>Добавим больше персонажей и </a:t>
-            </a:r>
+              <a:t>Добавим больше персонажей и диалогов</a:t>
+            </a:r>
+          </a:p>
+          <a:p>
             <a:r>
               <a:rPr lang="ru-RU" dirty="0" smtClean="0"/>
-              <a:t>диалогов</a:t>
-            </a:r>
-          </a:p>
-          <a:p>
-            <a:r>
-              <a:rPr lang="ru-RU" dirty="0" smtClean="0"/>
-              <a:t>Сделаем </a:t>
-            </a:r>
-            <a:r>
-              <a:rPr lang="ru-RU" dirty="0" smtClean="0"/>
-              <a:t>поиск клада по картам</a:t>
-            </a:r>
-            <a:endParaRPr lang="ru-RU" dirty="0" smtClean="0"/>
+              <a:t>Сделаем поиск клада по картам</a:t>
+            </a:r>
           </a:p>
           <a:p>
             <a:endParaRPr lang="ru-RU" dirty="0"/>
@@ -6305,7 +6244,7 @@
     </p:spTree>
     <p:extLst>
       <p:ext uri="{BB962C8B-B14F-4D97-AF65-F5344CB8AC3E}">
-        <p14:creationId xmlns:p14="http://schemas.microsoft.com/office/powerpoint/2010/main" xmlns="" val="1509248006"/>
+        <p14:creationId xmlns="" xmlns:p14="http://schemas.microsoft.com/office/powerpoint/2010/main" val="1509248006"/>
       </p:ext>
     </p:extLst>
   </p:cSld>
@@ -6546,7 +6485,7 @@
   <a:extraClrSchemeLst/>
   <a:extLst>
     <a:ext uri="{05A4C25C-085E-4340-85A3-A5531E510DB2}">
-      <thm15:themeFamily xmlns:thm15="http://schemas.microsoft.com/office/thememl/2012/main" xmlns="" name="Quotable" id="{39EC5628-30ED-4578-ACD8-9820EDB8E15A}" vid="{6F3559E9-1A4C-49D8-94D4-F41003531C49}"/>
+      <thm15:themeFamily xmlns="" xmlns:thm15="http://schemas.microsoft.com/office/thememl/2012/main" name="Quotable" id="{39EC5628-30ED-4578-ACD8-9820EDB8E15A}" vid="{6F3559E9-1A4C-49D8-94D4-F41003531C49}"/>
     </a:ext>
   </a:extLst>
 </a:theme>
